--- a/docs/Présentation Reconnaissance de caractères.pptx
+++ b/docs/Présentation Reconnaissance de caractères.pptx
@@ -8,10 +8,12 @@
     <p:sldId id="256" r:id="rId2"/>
     <p:sldId id="258" r:id="rId3"/>
     <p:sldId id="260" r:id="rId4"/>
-    <p:sldId id="261" r:id="rId5"/>
-    <p:sldId id="265" r:id="rId6"/>
-    <p:sldId id="259" r:id="rId7"/>
-    <p:sldId id="264" r:id="rId8"/>
+    <p:sldId id="267" r:id="rId5"/>
+    <p:sldId id="268" r:id="rId6"/>
+    <p:sldId id="265" r:id="rId7"/>
+    <p:sldId id="266" r:id="rId8"/>
+    <p:sldId id="264" r:id="rId9"/>
+    <p:sldId id="269" r:id="rId10"/>
   </p:sldIdLst>
   <p:sldSz cx="9144000" cy="6858000" type="screen4x3"/>
   <p:notesSz cx="6858000" cy="9144000"/>
@@ -351,7 +353,7 @@
           <a:p>
             <a:fld id="{AE73DD88-C704-8E4D-ACBF-616915A20F97}" type="slidenum">
               <a:rPr lang="fr-FR" smtClean="0"/>
-              <a:t>‹#›</a:t>
+              <a:t>‹N°›</a:t>
             </a:fld>
             <a:endParaRPr lang="fr-FR"/>
           </a:p>
@@ -480,7 +482,7 @@
           <a:p>
             <a:fld id="{AE73DD88-C704-8E4D-ACBF-616915A20F97}" type="slidenum">
               <a:rPr lang="fr-FR" smtClean="0"/>
-              <a:t>‹#›</a:t>
+              <a:t>‹N°›</a:t>
             </a:fld>
             <a:endParaRPr lang="fr-FR"/>
           </a:p>
@@ -785,7 +787,7 @@
           <a:p>
             <a:fld id="{AE73DD88-C704-8E4D-ACBF-616915A20F97}" type="slidenum">
               <a:rPr lang="fr-FR" smtClean="0"/>
-              <a:t>‹#›</a:t>
+              <a:t>‹N°›</a:t>
             </a:fld>
             <a:endParaRPr lang="fr-FR"/>
           </a:p>
@@ -1010,7 +1012,7 @@
           <a:p>
             <a:fld id="{AE73DD88-C704-8E4D-ACBF-616915A20F97}" type="slidenum">
               <a:rPr lang="fr-FR" smtClean="0"/>
-              <a:t>‹#›</a:t>
+              <a:t>‹N°›</a:t>
             </a:fld>
             <a:endParaRPr lang="fr-FR"/>
           </a:p>
@@ -1280,7 +1282,7 @@
           <a:p>
             <a:fld id="{AE73DD88-C704-8E4D-ACBF-616915A20F97}" type="slidenum">
               <a:rPr lang="fr-FR" smtClean="0"/>
-              <a:t>‹#›</a:t>
+              <a:t>‹N°›</a:t>
             </a:fld>
             <a:endParaRPr lang="fr-FR"/>
           </a:p>
@@ -1605,7 +1607,7 @@
           <a:p>
             <a:fld id="{AE73DD88-C704-8E4D-ACBF-616915A20F97}" type="slidenum">
               <a:rPr lang="fr-FR" smtClean="0"/>
-              <a:t>‹#›</a:t>
+              <a:t>‹N°›</a:t>
             </a:fld>
             <a:endParaRPr lang="fr-FR"/>
           </a:p>
@@ -1798,7 +1800,7 @@
           <a:p>
             <a:fld id="{AE73DD88-C704-8E4D-ACBF-616915A20F97}" type="slidenum">
               <a:rPr lang="fr-FR" smtClean="0"/>
-              <a:t>‹#›</a:t>
+              <a:t>‹N°›</a:t>
             </a:fld>
             <a:endParaRPr lang="fr-FR"/>
           </a:p>
@@ -1902,7 +1904,7 @@
           <a:p>
             <a:fld id="{AE73DD88-C704-8E4D-ACBF-616915A20F97}" type="slidenum">
               <a:rPr lang="fr-FR" smtClean="0"/>
-              <a:t>‹#›</a:t>
+              <a:t>‹N°›</a:t>
             </a:fld>
             <a:endParaRPr lang="fr-FR"/>
           </a:p>
@@ -2071,7 +2073,7 @@
           <a:p>
             <a:fld id="{AE73DD88-C704-8E4D-ACBF-616915A20F97}" type="slidenum">
               <a:rPr lang="fr-FR" smtClean="0"/>
-              <a:t>‹#›</a:t>
+              <a:t>‹N°›</a:t>
             </a:fld>
             <a:endParaRPr lang="fr-FR"/>
           </a:p>
@@ -2348,7 +2350,7 @@
           <a:p>
             <a:fld id="{AE73DD88-C704-8E4D-ACBF-616915A20F97}" type="slidenum">
               <a:rPr lang="fr-FR" smtClean="0"/>
-              <a:t>‹#›</a:t>
+              <a:t>‹N°›</a:t>
             </a:fld>
             <a:endParaRPr lang="fr-FR"/>
           </a:p>
@@ -2669,7 +2671,7 @@
           <a:p>
             <a:fld id="{AE73DD88-C704-8E4D-ACBF-616915A20F97}" type="slidenum">
               <a:rPr lang="fr-FR" smtClean="0"/>
-              <a:t>‹#›</a:t>
+              <a:t>‹N°›</a:t>
             </a:fld>
             <a:endParaRPr lang="fr-FR"/>
           </a:p>
@@ -3110,7 +3112,7 @@
           <a:p>
             <a:fld id="{AE73DD88-C704-8E4D-ACBF-616915A20F97}" type="slidenum">
               <a:rPr lang="fr-FR" smtClean="0"/>
-              <a:t>‹#›</a:t>
+              <a:t>‹N°›</a:t>
             </a:fld>
             <a:endParaRPr lang="fr-FR"/>
           </a:p>
@@ -3308,7 +3310,7 @@
           <a:p>
             <a:fld id="{AE73DD88-C704-8E4D-ACBF-616915A20F97}" type="slidenum">
               <a:rPr lang="fr-FR" smtClean="0"/>
-              <a:t>‹#›</a:t>
+              <a:t>‹N°›</a:t>
             </a:fld>
             <a:endParaRPr lang="fr-FR"/>
           </a:p>
@@ -3591,7 +3593,7 @@
           <a:p>
             <a:fld id="{AE73DD88-C704-8E4D-ACBF-616915A20F97}" type="slidenum">
               <a:rPr lang="fr-FR" smtClean="0"/>
-              <a:t>‹#›</a:t>
+              <a:t>‹N°›</a:t>
             </a:fld>
             <a:endParaRPr lang="fr-FR"/>
           </a:p>
@@ -3959,7 +3961,7 @@
           <a:p>
             <a:fld id="{AE73DD88-C704-8E4D-ACBF-616915A20F97}" type="slidenum">
               <a:rPr lang="fr-FR" smtClean="0"/>
-              <a:t>‹#›</a:t>
+              <a:t>‹N°›</a:t>
             </a:fld>
             <a:endParaRPr lang="fr-FR"/>
           </a:p>
@@ -4455,7 +4457,7 @@
           <a:p>
             <a:fld id="{AE73DD88-C704-8E4D-ACBF-616915A20F97}" type="slidenum">
               <a:rPr lang="fr-FR" smtClean="0"/>
-              <a:t>‹#›</a:t>
+              <a:t>‹N°›</a:t>
             </a:fld>
             <a:endParaRPr lang="fr-FR"/>
           </a:p>
@@ -4702,7 +4704,7 @@
           <a:p>
             <a:fld id="{AE73DD88-C704-8E4D-ACBF-616915A20F97}" type="slidenum">
               <a:rPr lang="fr-FR" smtClean="0"/>
-              <a:t>‹#›</a:t>
+              <a:t>‹N°›</a:t>
             </a:fld>
             <a:endParaRPr lang="fr-FR"/>
           </a:p>
@@ -5116,8 +5118,8 @@
         </p:nvSpPr>
         <p:spPr>
           <a:xfrm>
-            <a:off x="457199" y="1534390"/>
-            <a:ext cx="8228013" cy="1927225"/>
+            <a:off x="457199" y="1511650"/>
+            <a:ext cx="8228013" cy="3535220"/>
           </a:xfrm>
           <a:prstGeom prst="foldedCorner">
             <a:avLst/>
@@ -5128,10 +5130,109 @@
           <a:lstStyle/>
           <a:p>
             <a:r>
-              <a:rPr lang="fr-FR" dirty="0" smtClean="0"/>
+              <a:rPr lang="fr-FR" b="1" spc="50" dirty="0" smtClean="0">
+                <a:ln w="13500">
+                  <a:solidFill>
+                    <a:schemeClr val="accent1">
+                      <a:shade val="2500"/>
+                      <a:alpha val="6500"/>
+                    </a:schemeClr>
+                  </a:solidFill>
+                  <a:prstDash val="solid"/>
+                </a:ln>
+                <a:solidFill>
+                  <a:schemeClr val="accent1">
+                    <a:tint val="3000"/>
+                    <a:alpha val="95000"/>
+                  </a:schemeClr>
+                </a:solidFill>
+                <a:effectLst>
+                  <a:innerShdw blurRad="50900" dist="38500" dir="13500000">
+                    <a:srgbClr val="000000">
+                      <a:alpha val="60000"/>
+                    </a:srgbClr>
+                  </a:innerShdw>
+                </a:effectLst>
+              </a:rPr>
               <a:t>Reconnaissance de </a:t>
             </a:r>
-            <a:endParaRPr lang="fr-FR" dirty="0"/>
+            <a:br>
+              <a:rPr lang="fr-FR" b="1" spc="50" dirty="0" smtClean="0">
+                <a:ln w="13500">
+                  <a:solidFill>
+                    <a:schemeClr val="accent1">
+                      <a:shade val="2500"/>
+                      <a:alpha val="6500"/>
+                    </a:schemeClr>
+                  </a:solidFill>
+                  <a:prstDash val="solid"/>
+                </a:ln>
+                <a:solidFill>
+                  <a:schemeClr val="accent1">
+                    <a:tint val="3000"/>
+                    <a:alpha val="95000"/>
+                  </a:schemeClr>
+                </a:solidFill>
+                <a:effectLst>
+                  <a:innerShdw blurRad="50900" dist="38500" dir="13500000">
+                    <a:srgbClr val="000000">
+                      <a:alpha val="60000"/>
+                    </a:srgbClr>
+                  </a:innerShdw>
+                </a:effectLst>
+              </a:rPr>
+            </a:br>
+            <a:r>
+              <a:rPr lang="fr-FR" b="1" spc="50" dirty="0" smtClean="0">
+                <a:ln w="13500">
+                  <a:solidFill>
+                    <a:schemeClr val="accent1">
+                      <a:shade val="2500"/>
+                      <a:alpha val="6500"/>
+                    </a:schemeClr>
+                  </a:solidFill>
+                  <a:prstDash val="solid"/>
+                </a:ln>
+                <a:solidFill>
+                  <a:schemeClr val="accent1">
+                    <a:tint val="3000"/>
+                    <a:alpha val="95000"/>
+                  </a:schemeClr>
+                </a:solidFill>
+                <a:effectLst>
+                  <a:innerShdw blurRad="50900" dist="38500" dir="13500000">
+                    <a:srgbClr val="000000">
+                      <a:alpha val="60000"/>
+                    </a:srgbClr>
+                  </a:innerShdw>
+                </a:effectLst>
+              </a:rPr>
+              <a:t>caractères via un perceptron</a:t>
+            </a:r>
+            <a:endParaRPr lang="fr-FR" b="1" spc="50" dirty="0">
+              <a:ln w="13500">
+                <a:solidFill>
+                  <a:schemeClr val="accent1">
+                    <a:shade val="2500"/>
+                    <a:alpha val="6500"/>
+                  </a:schemeClr>
+                </a:solidFill>
+                <a:prstDash val="solid"/>
+              </a:ln>
+              <a:solidFill>
+                <a:schemeClr val="accent1">
+                  <a:tint val="3000"/>
+                  <a:alpha val="95000"/>
+                </a:schemeClr>
+              </a:solidFill>
+              <a:effectLst>
+                <a:innerShdw blurRad="50900" dist="38500" dir="13500000">
+                  <a:srgbClr val="000000">
+                    <a:alpha val="60000"/>
+                  </a:srgbClr>
+                </a:innerShdw>
+              </a:effectLst>
+            </a:endParaRPr>
           </a:p>
         </p:txBody>
       </p:sp>
@@ -5168,15 +5269,54 @@
                 <a:solidFill>
                   <a:srgbClr val="FFFFFF"/>
                 </a:solidFill>
-                <a:effectLst>
-                  <a:outerShdw blurRad="63500" dir="3600000" algn="tl" rotWithShape="0">
-                    <a:srgbClr val="000000">
-                      <a:alpha val="70000"/>
-                    </a:srgbClr>
-                  </a:outerShdw>
-                </a:effectLst>
               </a:rPr>
-              <a:t>Guillaume </a:t>
+              <a:t>Guillaume DIOT</a:t>
+            </a:r>
+          </a:p>
+          <a:p>
+            <a:r>
+              <a:rPr lang="fr-FR" dirty="0">
+                <a:ln w="18415" cmpd="sng">
+                  <a:solidFill>
+                    <a:srgbClr val="FFFFFF"/>
+                  </a:solidFill>
+                  <a:prstDash val="solid"/>
+                </a:ln>
+                <a:solidFill>
+                  <a:srgbClr val="FFFFFF"/>
+                </a:solidFill>
+              </a:rPr>
+              <a:t>Nicolas RICHARD</a:t>
+            </a:r>
+          </a:p>
+          <a:p>
+            <a:r>
+              <a:rPr lang="fr-FR" dirty="0" err="1">
+                <a:ln w="18415" cmpd="sng">
+                  <a:solidFill>
+                    <a:srgbClr val="FFFFFF"/>
+                  </a:solidFill>
+                  <a:prstDash val="solid"/>
+                </a:ln>
+                <a:solidFill>
+                  <a:srgbClr val="FFFFFF"/>
+                </a:solidFill>
+              </a:rPr>
+              <a:t>Émiliana</a:t>
+            </a:r>
+            <a:r>
+              <a:rPr lang="fr-FR" dirty="0">
+                <a:ln w="18415" cmpd="sng">
+                  <a:solidFill>
+                    <a:srgbClr val="FFFFFF"/>
+                  </a:solidFill>
+                  <a:prstDash val="solid"/>
+                </a:ln>
+                <a:solidFill>
+                  <a:srgbClr val="FFFFFF"/>
+                </a:solidFill>
+              </a:rPr>
+              <a:t> </a:t>
             </a:r>
             <a:r>
               <a:rPr lang="fr-FR" dirty="0" smtClean="0">
@@ -5189,105 +5329,24 @@
                 <a:solidFill>
                   <a:srgbClr val="FFFFFF"/>
                 </a:solidFill>
-                <a:effectLst>
-                  <a:outerShdw blurRad="63500" dir="3600000" algn="tl" rotWithShape="0">
-                    <a:srgbClr val="000000">
-                      <a:alpha val="70000"/>
-                    </a:srgbClr>
-                  </a:outerShdw>
-                </a:effectLst>
-              </a:rPr>
-              <a:t>DIOT</a:t>
-            </a:r>
-          </a:p>
-          <a:p>
-            <a:r>
-              <a:rPr lang="fr-FR" dirty="0">
-                <a:ln w="18415" cmpd="sng">
-                  <a:solidFill>
-                    <a:srgbClr val="FFFFFF"/>
-                  </a:solidFill>
-                  <a:prstDash val="solid"/>
-                </a:ln>
-                <a:solidFill>
-                  <a:srgbClr val="FFFFFF"/>
-                </a:solidFill>
-                <a:effectLst>
-                  <a:outerShdw blurRad="63500" dir="3600000" algn="tl" rotWithShape="0">
-                    <a:srgbClr val="000000">
-                      <a:alpha val="70000"/>
-                    </a:srgbClr>
-                  </a:outerShdw>
-                </a:effectLst>
-              </a:rPr>
-              <a:t>Nicolas RICHARD</a:t>
-            </a:r>
-          </a:p>
-          <a:p>
-            <a:r>
-              <a:rPr lang="fr-FR" dirty="0" err="1">
-                <a:ln w="18415" cmpd="sng">
-                  <a:solidFill>
-                    <a:srgbClr val="FFFFFF"/>
-                  </a:solidFill>
-                  <a:prstDash val="solid"/>
-                </a:ln>
-                <a:solidFill>
-                  <a:srgbClr val="FFFFFF"/>
-                </a:solidFill>
-                <a:effectLst>
-                  <a:outerShdw blurRad="63500" dir="3600000" algn="tl" rotWithShape="0">
-                    <a:srgbClr val="000000">
-                      <a:alpha val="70000"/>
-                    </a:srgbClr>
-                  </a:outerShdw>
-                </a:effectLst>
-              </a:rPr>
-              <a:t>Émiliana</a:t>
-            </a:r>
-            <a:r>
-              <a:rPr lang="fr-FR" dirty="0">
-                <a:ln w="18415" cmpd="sng">
-                  <a:solidFill>
-                    <a:srgbClr val="FFFFFF"/>
-                  </a:solidFill>
-                  <a:prstDash val="solid"/>
-                </a:ln>
-                <a:solidFill>
-                  <a:srgbClr val="FFFFFF"/>
-                </a:solidFill>
-                <a:effectLst>
-                  <a:outerShdw blurRad="63500" dir="3600000" algn="tl" rotWithShape="0">
-                    <a:srgbClr val="000000">
-                      <a:alpha val="70000"/>
-                    </a:srgbClr>
-                  </a:outerShdw>
-                </a:effectLst>
-              </a:rPr>
-              <a:t> </a:t>
-            </a:r>
-            <a:r>
-              <a:rPr lang="fr-FR" dirty="0" smtClean="0">
-                <a:ln w="18415" cmpd="sng">
-                  <a:solidFill>
-                    <a:srgbClr val="FFFFFF"/>
-                  </a:solidFill>
-                  <a:prstDash val="solid"/>
-                </a:ln>
-                <a:solidFill>
-                  <a:srgbClr val="FFFFFF"/>
-                </a:solidFill>
-                <a:effectLst>
-                  <a:outerShdw blurRad="63500" dir="3600000" algn="tl" rotWithShape="0">
-                    <a:srgbClr val="000000">
-                      <a:alpha val="70000"/>
-                    </a:srgbClr>
-                  </a:outerShdw>
-                </a:effectLst>
               </a:rPr>
               <a:t>AWORET</a:t>
             </a:r>
             <a:endParaRPr lang="fr-FR" dirty="0">
+              <a:ln w="18415" cmpd="sng">
+                <a:solidFill>
+                  <a:srgbClr val="FFFFFF"/>
+                </a:solidFill>
+                <a:prstDash val="solid"/>
+              </a:ln>
+              <a:solidFill>
+                <a:srgbClr val="FFFFFF"/>
+              </a:solidFill>
+            </a:endParaRPr>
+          </a:p>
+          <a:p>
+            <a:pPr algn="r"/>
+            <a:endParaRPr lang="fr-FR" dirty="0" smtClean="0">
               <a:ln w="18415" cmpd="sng">
                 <a:solidFill>
                   <a:srgbClr val="FFFFFF"/>
@@ -5306,9 +5365,78 @@
               </a:effectLst>
             </a:endParaRPr>
           </a:p>
-          <a:p>
-            <a:pPr algn="r"/>
-            <a:endParaRPr lang="fr-FR" dirty="0" smtClean="0">
+        </p:txBody>
+      </p:sp>
+      <p:sp>
+        <p:nvSpPr>
+          <p:cNvPr id="7" name="ZoneTexte 6"/>
+          <p:cNvSpPr txBox="1"/>
+          <p:nvPr/>
+        </p:nvSpPr>
+        <p:spPr>
+          <a:xfrm>
+            <a:off x="8421172" y="6189152"/>
+            <a:ext cx="184666" cy="369332"/>
+          </a:xfrm>
+          <a:prstGeom prst="rect">
+            <a:avLst/>
+          </a:prstGeom>
+          <a:noFill/>
+        </p:spPr>
+        <p:txBody>
+          <a:bodyPr wrap="none" rtlCol="0">
+            <a:spAutoFit/>
+          </a:bodyPr>
+          <a:lstStyle/>
+          <a:p>
+            <a:endParaRPr lang="fr-FR" dirty="0"/>
+          </a:p>
+        </p:txBody>
+      </p:sp>
+      <p:sp>
+        <p:nvSpPr>
+          <p:cNvPr id="3" name="ZoneTexte 2"/>
+          <p:cNvSpPr txBox="1"/>
+          <p:nvPr/>
+        </p:nvSpPr>
+        <p:spPr>
+          <a:xfrm>
+            <a:off x="-363865" y="288131"/>
+            <a:ext cx="1316581" cy="369332"/>
+          </a:xfrm>
+          <a:prstGeom prst="rect">
+            <a:avLst/>
+          </a:prstGeom>
+          <a:noFill/>
+        </p:spPr>
+        <p:txBody>
+          <a:bodyPr wrap="square" rtlCol="0">
+            <a:spAutoFit/>
+          </a:bodyPr>
+          <a:lstStyle/>
+          <a:p>
+            <a:r>
+              <a:rPr lang="fr-FR" dirty="0" smtClean="0">
+                <a:ln w="18415" cmpd="sng">
+                  <a:solidFill>
+                    <a:srgbClr val="FFFFFF"/>
+                  </a:solidFill>
+                  <a:prstDash val="solid"/>
+                </a:ln>
+                <a:solidFill>
+                  <a:srgbClr val="FFFFFF"/>
+                </a:solidFill>
+                <a:effectLst>
+                  <a:outerShdw blurRad="63500" dir="3600000" algn="tl" rotWithShape="0">
+                    <a:srgbClr val="000000">
+                      <a:alpha val="70000"/>
+                    </a:srgbClr>
+                  </a:outerShdw>
+                </a:effectLst>
+              </a:rPr>
+              <a:t>EPSI Lyon</a:t>
+            </a:r>
+            <a:endParaRPr lang="fr-FR" dirty="0">
               <a:ln w="18415" cmpd="sng">
                 <a:solidFill>
                   <a:srgbClr val="FFFFFF"/>
@@ -5329,87 +5457,110 @@
           </a:p>
         </p:txBody>
       </p:sp>
-      <p:sp>
-        <p:nvSpPr>
-          <p:cNvPr id="7" name="ZoneTexte 6"/>
-          <p:cNvSpPr txBox="1"/>
+      <p:pic>
+        <p:nvPicPr>
+          <p:cNvPr id="5122" name="Picture 2" descr="\\vmware-host\Shared Folders\Spleen\Downloads\Screenshot 2014-06-30 à 14.11.17.png"/>
+          <p:cNvPicPr>
+            <a:picLocks noChangeAspect="1" noChangeArrowheads="1"/>
+          </p:cNvPicPr>
           <p:nvPr/>
-        </p:nvSpPr>
-        <p:spPr>
-          <a:xfrm>
-            <a:off x="8421172" y="6189152"/>
-            <a:ext cx="184666" cy="369332"/>
+        </p:nvPicPr>
+        <p:blipFill rotWithShape="1">
+          <a:blip r:embed="rId3">
+            <a:extLst>
+              <a:ext uri="{28A0092B-C50C-407E-A947-70E740481C1C}">
+                <a14:useLocalDpi xmlns:a14="http://schemas.microsoft.com/office/drawing/2010/main" val="0"/>
+              </a:ext>
+            </a:extLst>
+          </a:blip>
+          <a:srcRect l="7102"/>
+          <a:stretch/>
+        </p:blipFill>
+        <p:spPr bwMode="auto">
+          <a:xfrm>
+            <a:off x="-859381" y="184666"/>
+            <a:ext cx="495516" cy="576262"/>
           </a:xfrm>
           <a:prstGeom prst="rect">
             <a:avLst/>
           </a:prstGeom>
           <a:noFill/>
-        </p:spPr>
-        <p:txBody>
-          <a:bodyPr wrap="none" rtlCol="0">
-            <a:spAutoFit/>
-          </a:bodyPr>
-          <a:lstStyle/>
-          <a:p>
-            <a:endParaRPr lang="fr-FR" dirty="0"/>
-          </a:p>
-        </p:txBody>
-      </p:sp>
-      <p:pic>
-        <p:nvPicPr>
-          <p:cNvPr id="3" name="Image 2"/>
-          <p:cNvPicPr>
-            <a:picLocks noChangeAspect="1"/>
-          </p:cNvPicPr>
+          <a:extLst>
+            <a:ext uri="{909E8E84-426E-40DD-AFC4-6F175D3DCCD1}">
+              <a14:hiddenFill xmlns:a14="http://schemas.microsoft.com/office/drawing/2010/main">
+                <a:solidFill>
+                  <a:srgbClr val="FFFFFF"/>
+                </a:solidFill>
+              </a14:hiddenFill>
+            </a:ext>
+          </a:extLst>
+        </p:spPr>
+      </p:pic>
+      <p:sp>
+        <p:nvSpPr>
+          <p:cNvPr id="9" name="ZoneTexte 8"/>
+          <p:cNvSpPr txBox="1"/>
           <p:nvPr/>
-        </p:nvPicPr>
-        <p:blipFill rotWithShape="1">
-          <a:blip r:embed="rId3"/>
-          <a:srcRect l="-8270" t="-11785" r="-8270" b="-12219"/>
-          <a:stretch/>
-        </p:blipFill>
-        <p:spPr>
-          <a:xfrm>
-            <a:off x="3560478" y="342899"/>
-            <a:ext cx="2027667" cy="1007918"/>
+        </p:nvSpPr>
+        <p:spPr>
+          <a:xfrm>
+            <a:off x="8263099" y="111041"/>
+            <a:ext cx="1761802" cy="923330"/>
           </a:xfrm>
           <a:prstGeom prst="rect">
             <a:avLst/>
           </a:prstGeom>
-          <a:solidFill>
-            <a:srgbClr val="FFFFFF">
-              <a:shade val="85000"/>
-            </a:srgbClr>
-          </a:solidFill>
-          <a:ln w="76200" cap="sq">
-            <a:solidFill>
-              <a:schemeClr val="bg1"/>
-            </a:solidFill>
-            <a:miter lim="800000"/>
-          </a:ln>
-          <a:effectLst>
-            <a:outerShdw blurRad="50800" dist="38100" dir="16200000" rotWithShape="0">
-              <a:prstClr val="black">
-                <a:alpha val="40000"/>
-              </a:prstClr>
-            </a:outerShdw>
-          </a:effectLst>
-          <a:scene3d>
-            <a:camera prst="orthographicFront">
-              <a:rot lat="0" lon="0" rev="360000"/>
-            </a:camera>
-            <a:lightRig rig="twoPt" dir="t">
-              <a:rot lat="0" lon="0" rev="7200000"/>
-            </a:lightRig>
-          </a:scene3d>
-          <a:sp3d contourW="12700">
-            <a:bevelT w="25400" h="19050"/>
-            <a:contourClr>
-              <a:srgbClr val="969696"/>
-            </a:contourClr>
-          </a:sp3d>
-        </p:spPr>
-      </p:pic>
+          <a:noFill/>
+        </p:spPr>
+        <p:txBody>
+          <a:bodyPr wrap="square" rtlCol="0">
+            <a:spAutoFit/>
+          </a:bodyPr>
+          <a:lstStyle/>
+          <a:p>
+            <a:pPr algn="r"/>
+            <a:r>
+              <a:rPr lang="fr-FR" dirty="0" smtClean="0">
+                <a:ln w="18415" cmpd="sng">
+                  <a:solidFill>
+                    <a:srgbClr val="FFFFFF"/>
+                  </a:solidFill>
+                  <a:prstDash val="solid"/>
+                </a:ln>
+                <a:solidFill>
+                  <a:srgbClr val="FFFFFF"/>
+                </a:solidFill>
+                <a:effectLst>
+                  <a:outerShdw blurRad="63500" dir="3600000" algn="tl" rotWithShape="0">
+                    <a:srgbClr val="000000">
+                      <a:alpha val="70000"/>
+                    </a:srgbClr>
+                  </a:outerShdw>
+                </a:effectLst>
+              </a:rPr>
+              <a:t>Projet Intelligence Artificielle</a:t>
+            </a:r>
+            <a:endParaRPr lang="fr-FR" dirty="0">
+              <a:ln w="18415" cmpd="sng">
+                <a:solidFill>
+                  <a:srgbClr val="FFFFFF"/>
+                </a:solidFill>
+                <a:prstDash val="solid"/>
+              </a:ln>
+              <a:solidFill>
+                <a:srgbClr val="FFFFFF"/>
+              </a:solidFill>
+              <a:effectLst>
+                <a:outerShdw blurRad="63500" dir="3600000" algn="tl" rotWithShape="0">
+                  <a:srgbClr val="000000">
+                    <a:alpha val="70000"/>
+                  </a:srgbClr>
+                </a:outerShdw>
+              </a:effectLst>
+            </a:endParaRPr>
+          </a:p>
+        </p:txBody>
+      </p:sp>
     </p:spTree>
     <p:extLst>
       <p:ext uri="{BB962C8B-B14F-4D97-AF65-F5344CB8AC3E}">
@@ -5423,7 +5574,7 @@
   <p:timing>
     <p:tnLst>
       <p:par>
-        <p:cTn xmlns:p14="http://schemas.microsoft.com/office/powerpoint/2010/main" id="1" dur="indefinite" restart="never" nodeType="tmRoot"/>
+        <p:cTn id="1" dur="indefinite" restart="never" nodeType="tmRoot"/>
       </p:par>
     </p:tnLst>
   </p:timing>
@@ -5464,7 +5615,7 @@
           <a:p>
             <a:r>
               <a:rPr lang="fr-FR" dirty="0" smtClean="0"/>
-              <a:t>Origine</a:t>
+              <a:t>Sujet d’étude</a:t>
             </a:r>
             <a:endParaRPr lang="fr-FR" dirty="0"/>
           </a:p>
@@ -5480,7 +5631,12 @@
             <p:ph idx="1"/>
           </p:nvPr>
         </p:nvSpPr>
-        <p:spPr/>
+        <p:spPr>
+          <a:xfrm>
+            <a:off x="708958" y="2770094"/>
+            <a:ext cx="7662864" cy="3267169"/>
+          </a:xfrm>
+        </p:spPr>
         <p:txBody>
           <a:bodyPr/>
           <a:lstStyle/>
@@ -5494,7 +5650,15 @@
             </a:pPr>
             <a:r>
               <a:rPr lang="fr-FR" dirty="0" smtClean="0"/>
-              <a:t>Implémentation partielle des méthodes RU (vu en cours)</a:t>
+              <a:t>Implémentation d’un moteur de reconnaissance de caractères </a:t>
+            </a:r>
+            <a:r>
+              <a:rPr lang="fr-FR" dirty="0" smtClean="0"/>
+              <a:t>(OCR) via </a:t>
+            </a:r>
+            <a:r>
+              <a:rPr lang="fr-FR" dirty="0" smtClean="0"/>
+              <a:t>un réseau de neurones.</a:t>
             </a:r>
           </a:p>
           <a:p>
@@ -5507,24 +5671,13 @@
             </a:pPr>
             <a:r>
               <a:rPr lang="fr-FR" dirty="0" smtClean="0"/>
-              <a:t>Version allégée des IBM Rational </a:t>
-            </a:r>
-            <a:r>
-              <a:rPr lang="fr-FR" dirty="0" err="1" smtClean="0"/>
-              <a:t>Unified</a:t>
+              <a:t>Ce réseau doit reconnaître des </a:t>
             </a:r>
             <a:r>
               <a:rPr lang="fr-FR" dirty="0" smtClean="0"/>
-              <a:t> </a:t>
-            </a:r>
-            <a:r>
-              <a:rPr lang="fr-FR" dirty="0" err="1" smtClean="0"/>
-              <a:t>Process</a:t>
-            </a:r>
-            <a:r>
-              <a:rPr lang="fr-FR" dirty="0" smtClean="0"/>
-              <a:t> (RUP)</a:t>
-            </a:r>
+              <a:t>chiffres (matrices normalisées)</a:t>
+            </a:r>
+            <a:endParaRPr lang="fr-FR" dirty="0" smtClean="0"/>
           </a:p>
           <a:p>
             <a:pPr>
@@ -5536,9 +5689,22 @@
             </a:pPr>
             <a:r>
               <a:rPr lang="fr-FR" dirty="0" smtClean="0"/>
-              <a:t>Moins théoriques, met l’accent sur l’optimisation</a:t>
+              <a:t>Contraintes faibles : apprentissage &amp; reconnaissance  efficace en quelques secondes</a:t>
             </a:r>
             <a:endParaRPr lang="fr-FR" dirty="0"/>
+          </a:p>
+          <a:p>
+            <a:pPr>
+              <a:buClr>
+                <a:schemeClr val="bg2">
+                  <a:lumMod val="90000"/>
+                </a:schemeClr>
+              </a:buClr>
+            </a:pPr>
+            <a:r>
+              <a:rPr lang="fr-FR" dirty="0" smtClean="0"/>
+              <a:t>Organiser le travail en équipe</a:t>
+            </a:r>
           </a:p>
         </p:txBody>
       </p:sp>
@@ -5551,7 +5717,7 @@
         <p:spPr>
           <a:xfrm>
             <a:off x="708958" y="6558484"/>
-            <a:ext cx="7508776" cy="184397"/>
+            <a:ext cx="7662864" cy="184397"/>
           </a:xfrm>
           <a:prstGeom prst="round2DiagRect">
             <a:avLst/>
@@ -5676,61 +5842,6 @@
           </a:p>
         </p:txBody>
       </p:sp>
-      <p:pic>
-        <p:nvPicPr>
-          <p:cNvPr id="8" name="Image 7"/>
-          <p:cNvPicPr>
-            <a:picLocks noChangeAspect="1"/>
-          </p:cNvPicPr>
-          <p:nvPr/>
-        </p:nvPicPr>
-        <p:blipFill rotWithShape="1">
-          <a:blip r:embed="rId2"/>
-          <a:srcRect l="-8270" t="-11785" r="-8270" b="-12219"/>
-          <a:stretch/>
-        </p:blipFill>
-        <p:spPr>
-          <a:xfrm>
-            <a:off x="260601" y="345141"/>
-            <a:ext cx="1454620" cy="723066"/>
-          </a:xfrm>
-          <a:prstGeom prst="rect">
-            <a:avLst/>
-          </a:prstGeom>
-          <a:solidFill>
-            <a:srgbClr val="FFFFFF">
-              <a:shade val="85000"/>
-            </a:srgbClr>
-          </a:solidFill>
-          <a:ln w="76200" cap="sq">
-            <a:solidFill>
-              <a:schemeClr val="bg1"/>
-            </a:solidFill>
-            <a:miter lim="800000"/>
-          </a:ln>
-          <a:effectLst>
-            <a:outerShdw blurRad="50800" dist="38100" dir="16200000" rotWithShape="0">
-              <a:prstClr val="black">
-                <a:alpha val="40000"/>
-              </a:prstClr>
-            </a:outerShdw>
-          </a:effectLst>
-          <a:scene3d>
-            <a:camera prst="orthographicFront">
-              <a:rot lat="0" lon="0" rev="360000"/>
-            </a:camera>
-            <a:lightRig rig="twoPt" dir="t">
-              <a:rot lat="0" lon="0" rev="7200000"/>
-            </a:lightRig>
-          </a:scene3d>
-          <a:sp3d contourW="12700">
-            <a:bevelT w="25400" h="19050"/>
-            <a:contourClr>
-              <a:srgbClr val="969696"/>
-            </a:contourClr>
-          </a:sp3d>
-        </p:spPr>
-      </p:pic>
     </p:spTree>
     <p:extLst>
       <p:ext uri="{BB962C8B-B14F-4D97-AF65-F5344CB8AC3E}">
@@ -5744,7 +5855,7 @@
   <p:timing>
     <p:tnLst>
       <p:par>
-        <p:cTn xmlns:p14="http://schemas.microsoft.com/office/powerpoint/2010/main" id="1" dur="indefinite" restart="never" nodeType="tmRoot"/>
+        <p:cTn id="1" dur="indefinite" restart="never" nodeType="tmRoot"/>
       </p:par>
     </p:tnLst>
   </p:timing>
@@ -5785,217 +5896,9 @@
           <a:p>
             <a:r>
               <a:rPr lang="fr-FR" dirty="0" smtClean="0"/>
-              <a:t>Principe</a:t>
+              <a:t>Pourquoi un perceptron ?</a:t>
             </a:r>
             <a:endParaRPr lang="fr-FR" dirty="0"/>
-          </a:p>
-        </p:txBody>
-      </p:sp>
-      <p:sp>
-        <p:nvSpPr>
-          <p:cNvPr id="3" name="Espace réservé du contenu 2"/>
-          <p:cNvSpPr>
-            <a:spLocks noGrp="1"/>
-          </p:cNvSpPr>
-          <p:nvPr>
-            <p:ph idx="1"/>
-          </p:nvPr>
-        </p:nvSpPr>
-        <p:spPr>
-          <a:xfrm>
-            <a:off x="457200" y="2527444"/>
-            <a:ext cx="4249881" cy="3661708"/>
-          </a:xfrm>
-        </p:spPr>
-        <p:txBody>
-          <a:bodyPr>
-            <a:normAutofit fontScale="77500" lnSpcReduction="20000"/>
-          </a:bodyPr>
-          <a:lstStyle/>
-          <a:p>
-            <a:pPr>
-              <a:buClr>
-                <a:schemeClr val="bg2">
-                  <a:lumMod val="90000"/>
-                </a:schemeClr>
-              </a:buClr>
-            </a:pPr>
-            <a:r>
-              <a:rPr lang="fr-FR" sz="2800" dirty="0" smtClean="0"/>
-              <a:t>7 étapes (disciplines) majeures : </a:t>
-            </a:r>
-          </a:p>
-          <a:p>
-            <a:pPr lvl="1">
-              <a:buClr>
-                <a:schemeClr val="bg2">
-                  <a:lumMod val="90000"/>
-                </a:schemeClr>
-              </a:buClr>
-            </a:pPr>
-            <a:r>
-              <a:rPr lang="fr-FR" b="1" dirty="0" smtClean="0"/>
-              <a:t>Modèle : </a:t>
-            </a:r>
-            <a:r>
-              <a:rPr lang="fr-FR" dirty="0" smtClean="0"/>
-              <a:t>comprendre l’activité de l’entreprise</a:t>
-            </a:r>
-          </a:p>
-          <a:p>
-            <a:pPr lvl="1">
-              <a:buClr>
-                <a:schemeClr val="bg2">
-                  <a:lumMod val="90000"/>
-                </a:schemeClr>
-              </a:buClr>
-            </a:pPr>
-            <a:r>
-              <a:rPr lang="fr-FR" b="1" dirty="0"/>
-              <a:t>Mise en </a:t>
-            </a:r>
-            <a:r>
-              <a:rPr lang="fr-FR" b="1" dirty="0" smtClean="0"/>
-              <a:t>œuvre : </a:t>
-            </a:r>
-            <a:r>
-              <a:rPr lang="fr-FR" dirty="0" smtClean="0"/>
-              <a:t>développement de l’application et tests unitaires</a:t>
-            </a:r>
-          </a:p>
-          <a:p>
-            <a:pPr lvl="1">
-              <a:buClr>
-                <a:schemeClr val="bg2">
-                  <a:lumMod val="90000"/>
-                </a:schemeClr>
-              </a:buClr>
-            </a:pPr>
-            <a:r>
-              <a:rPr lang="fr-FR" b="1" dirty="0" smtClean="0"/>
-              <a:t>Tests : </a:t>
-            </a:r>
-            <a:r>
-              <a:rPr lang="fr-FR" dirty="0" smtClean="0"/>
-              <a:t>assurer la qualité en effectuant tous les tests possibles</a:t>
-            </a:r>
-          </a:p>
-          <a:p>
-            <a:pPr lvl="1">
-              <a:buClr>
-                <a:schemeClr val="bg2">
-                  <a:lumMod val="90000"/>
-                </a:schemeClr>
-              </a:buClr>
-            </a:pPr>
-            <a:r>
-              <a:rPr lang="fr-FR" b="1" dirty="0" smtClean="0"/>
-              <a:t>Déploiement : </a:t>
-            </a:r>
-            <a:r>
-              <a:rPr lang="fr-FR" dirty="0" smtClean="0"/>
-              <a:t>livraison et tests avec le client</a:t>
-            </a:r>
-          </a:p>
-          <a:p>
-            <a:pPr lvl="1">
-              <a:buClr>
-                <a:schemeClr val="bg2">
-                  <a:lumMod val="90000"/>
-                </a:schemeClr>
-              </a:buClr>
-            </a:pPr>
-            <a:r>
-              <a:rPr lang="fr-FR" b="1" dirty="0" smtClean="0"/>
-              <a:t>Gestion de la configuration : </a:t>
-            </a:r>
-            <a:r>
-              <a:rPr lang="fr-FR" dirty="0" smtClean="0"/>
-              <a:t>suivi des versions des artefacts.</a:t>
-            </a:r>
-          </a:p>
-          <a:p>
-            <a:pPr lvl="1">
-              <a:buClr>
-                <a:schemeClr val="bg2">
-                  <a:lumMod val="90000"/>
-                </a:schemeClr>
-              </a:buClr>
-            </a:pPr>
-            <a:r>
-              <a:rPr lang="fr-FR" b="1" dirty="0" smtClean="0"/>
-              <a:t>Gestion du projet : </a:t>
-            </a:r>
-            <a:r>
-              <a:rPr lang="fr-FR" dirty="0" smtClean="0"/>
-              <a:t>gestion des risques et de l’équipe de </a:t>
-            </a:r>
-            <a:r>
-              <a:rPr lang="fr-FR" dirty="0" err="1" smtClean="0"/>
-              <a:t>dev</a:t>
-            </a:r>
-            <a:r>
-              <a:rPr lang="fr-FR" dirty="0" smtClean="0"/>
-              <a:t>.</a:t>
-            </a:r>
-          </a:p>
-          <a:p>
-            <a:pPr lvl="1">
-              <a:buClr>
-                <a:schemeClr val="bg2">
-                  <a:lumMod val="90000"/>
-                </a:schemeClr>
-              </a:buClr>
-            </a:pPr>
-            <a:r>
-              <a:rPr lang="fr-FR" b="1" dirty="0" smtClean="0"/>
-              <a:t>Environnement : </a:t>
-            </a:r>
-            <a:r>
-              <a:rPr lang="fr-FR" dirty="0" smtClean="0"/>
-              <a:t>soutien de l’équipe (répondre aux besoins)</a:t>
-            </a:r>
-            <a:endParaRPr lang="fr-FR" b="1" dirty="0" smtClean="0"/>
-          </a:p>
-          <a:p>
-            <a:pPr lvl="1">
-              <a:buClr>
-                <a:schemeClr val="bg2">
-                  <a:lumMod val="90000"/>
-                </a:schemeClr>
-              </a:buClr>
-            </a:pPr>
-            <a:endParaRPr lang="fr-FR" b="1" dirty="0" smtClean="0"/>
-          </a:p>
-          <a:p>
-            <a:pPr lvl="1">
-              <a:buClr>
-                <a:schemeClr val="bg2">
-                  <a:lumMod val="90000"/>
-                </a:schemeClr>
-              </a:buClr>
-            </a:pPr>
-            <a:endParaRPr lang="fr-FR" b="1" dirty="0" smtClean="0"/>
-          </a:p>
-          <a:p>
-            <a:pPr lvl="1">
-              <a:buClr>
-                <a:schemeClr val="bg2">
-                  <a:lumMod val="90000"/>
-                </a:schemeClr>
-              </a:buClr>
-            </a:pPr>
-            <a:endParaRPr lang="fr-FR" b="1" dirty="0" smtClean="0"/>
-          </a:p>
-          <a:p>
-            <a:pPr lvl="1">
-              <a:buClr>
-                <a:schemeClr val="bg2">
-                  <a:lumMod val="90000"/>
-                </a:schemeClr>
-              </a:buClr>
-            </a:pPr>
-            <a:endParaRPr lang="fr-FR" b="1" dirty="0"/>
           </a:p>
         </p:txBody>
       </p:sp>
@@ -6007,8 +5910,8 @@
         </p:nvSpPr>
         <p:spPr>
           <a:xfrm>
-            <a:off x="708958" y="6558484"/>
-            <a:ext cx="7508776" cy="184397"/>
+            <a:off x="708957" y="6558484"/>
+            <a:ext cx="7717217" cy="184397"/>
           </a:xfrm>
           <a:prstGeom prst="round2DiagRect">
             <a:avLst/>
@@ -6133,110 +6036,339 @@
           </a:p>
         </p:txBody>
       </p:sp>
-      <p:pic>
-        <p:nvPicPr>
-          <p:cNvPr id="7" name="Image 6"/>
-          <p:cNvPicPr>
-            <a:picLocks noChangeAspect="1"/>
-          </p:cNvPicPr>
+      <p:sp>
+        <p:nvSpPr>
+          <p:cNvPr id="10" name="Espace réservé du contenu 2"/>
+          <p:cNvSpPr txBox="1">
+            <a:spLocks/>
+          </p:cNvSpPr>
           <p:nvPr/>
-        </p:nvPicPr>
-        <p:blipFill>
-          <a:blip r:embed="rId2"/>
-          <a:stretch>
-            <a:fillRect/>
-          </a:stretch>
-        </p:blipFill>
-        <p:spPr>
-          <a:xfrm>
-            <a:off x="4635100" y="3079950"/>
-            <a:ext cx="4051700" cy="2025850"/>
+        </p:nvSpPr>
+        <p:spPr>
+          <a:xfrm>
+            <a:off x="708958" y="2770094"/>
+            <a:ext cx="7662864" cy="3267169"/>
           </a:xfrm>
           <a:prstGeom prst="rect">
             <a:avLst/>
           </a:prstGeom>
         </p:spPr>
-      </p:pic>
-      <p:pic>
-        <p:nvPicPr>
-          <p:cNvPr id="8" name="Image 7"/>
-          <p:cNvPicPr>
-            <a:picLocks noChangeAspect="1"/>
-          </p:cNvPicPr>
-          <p:nvPr/>
-        </p:nvPicPr>
-        <p:blipFill rotWithShape="1">
-          <a:blip r:embed="rId3"/>
-          <a:srcRect l="-8270" t="-11785" r="-8270" b="-12219"/>
-          <a:stretch/>
-        </p:blipFill>
-        <p:spPr>
-          <a:xfrm>
-            <a:off x="260601" y="345141"/>
-            <a:ext cx="1454620" cy="723066"/>
-          </a:xfrm>
-          <a:prstGeom prst="rect">
-            <a:avLst/>
-          </a:prstGeom>
-          <a:solidFill>
-            <a:srgbClr val="FFFFFF">
-              <a:shade val="85000"/>
-            </a:srgbClr>
-          </a:solidFill>
-          <a:ln w="76200" cap="sq">
-            <a:solidFill>
-              <a:schemeClr val="bg1"/>
-            </a:solidFill>
-            <a:miter lim="800000"/>
-          </a:ln>
-          <a:effectLst>
-            <a:outerShdw blurRad="50800" dist="38100" dir="16200000" rotWithShape="0">
-              <a:prstClr val="black">
-                <a:alpha val="40000"/>
-              </a:prstClr>
-            </a:outerShdw>
-          </a:effectLst>
-          <a:scene3d>
-            <a:camera prst="orthographicFront">
-              <a:rot lat="0" lon="0" rev="360000"/>
-            </a:camera>
-            <a:lightRig rig="twoPt" dir="t">
-              <a:rot lat="0" lon="0" rev="7200000"/>
-            </a:lightRig>
-          </a:scene3d>
-          <a:sp3d contourW="12700">
-            <a:bevelT w="25400" h="19050"/>
-            <a:contourClr>
-              <a:srgbClr val="969696"/>
-            </a:contourClr>
-          </a:sp3d>
-        </p:spPr>
-      </p:pic>
-      <p:sp>
-        <p:nvSpPr>
-          <p:cNvPr id="11" name="ZoneTexte 10"/>
-          <p:cNvSpPr txBox="1"/>
-          <p:nvPr/>
-        </p:nvSpPr>
-        <p:spPr>
-          <a:xfrm>
-            <a:off x="6161809" y="4743888"/>
-            <a:ext cx="2379518" cy="108000"/>
-          </a:xfrm>
-          <a:prstGeom prst="rect">
-            <a:avLst/>
-          </a:prstGeom>
-          <a:solidFill>
-            <a:schemeClr val="bg1"/>
-          </a:solidFill>
-        </p:spPr>
-        <p:txBody>
-          <a:bodyPr wrap="square" rtlCol="0">
-            <a:spAutoFit/>
+        <p:txBody>
+          <a:bodyPr vert="horz" lIns="91440" tIns="45720" rIns="91440" bIns="45720" rtlCol="0">
+            <a:normAutofit/>
           </a:bodyPr>
-          <a:lstStyle/>
-          <a:p>
+          <a:lstStyle>
+            <a:lvl1pPr marL="342900" indent="-342900" algn="l" defTabSz="914400" rtl="0" eaLnBrk="1" latinLnBrk="0" hangingPunct="1">
+              <a:spcBef>
+                <a:spcPts val="2000"/>
+              </a:spcBef>
+              <a:buClr>
+                <a:schemeClr val="accent1"/>
+              </a:buClr>
+              <a:buSzPct val="90000"/>
+              <a:buFont typeface="Wingdings" pitchFamily="2" charset="2"/>
+              <a:buChar char="S"/>
+              <a:defRPr sz="2200" kern="1200">
+                <a:solidFill>
+                  <a:schemeClr val="tx1">
+                    <a:lumMod val="65000"/>
+                    <a:lumOff val="35000"/>
+                  </a:schemeClr>
+                </a:solidFill>
+                <a:latin typeface="+mn-lt"/>
+                <a:ea typeface="+mn-ea"/>
+                <a:cs typeface="+mn-cs"/>
+              </a:defRPr>
+            </a:lvl1pPr>
+            <a:lvl2pPr marL="685800" indent="-336550" algn="l" defTabSz="914400" rtl="0" eaLnBrk="1" latinLnBrk="0" hangingPunct="1">
+              <a:spcBef>
+                <a:spcPts val="600"/>
+              </a:spcBef>
+              <a:buClr>
+                <a:schemeClr val="accent1">
+                  <a:lumMod val="60000"/>
+                  <a:lumOff val="40000"/>
+                </a:schemeClr>
+              </a:buClr>
+              <a:buSzPct val="90000"/>
+              <a:buFont typeface="Wingdings" pitchFamily="2" charset="2"/>
+              <a:buChar char="S"/>
+              <a:defRPr sz="2000" kern="1200">
+                <a:solidFill>
+                  <a:schemeClr val="tx1">
+                    <a:lumMod val="65000"/>
+                    <a:lumOff val="35000"/>
+                  </a:schemeClr>
+                </a:solidFill>
+                <a:latin typeface="+mn-lt"/>
+                <a:ea typeface="+mn-ea"/>
+                <a:cs typeface="+mn-cs"/>
+              </a:defRPr>
+            </a:lvl2pPr>
+            <a:lvl3pPr marL="1035050" indent="-349250" algn="l" defTabSz="914400" rtl="0" eaLnBrk="1" latinLnBrk="0" hangingPunct="1">
+              <a:spcBef>
+                <a:spcPts val="600"/>
+              </a:spcBef>
+              <a:buClr>
+                <a:schemeClr val="accent1"/>
+              </a:buClr>
+              <a:buSzPct val="90000"/>
+              <a:buFont typeface="Wingdings" pitchFamily="2" charset="2"/>
+              <a:buChar char="S"/>
+              <a:defRPr sz="1800" kern="1200">
+                <a:solidFill>
+                  <a:schemeClr val="tx1">
+                    <a:lumMod val="65000"/>
+                    <a:lumOff val="35000"/>
+                  </a:schemeClr>
+                </a:solidFill>
+                <a:latin typeface="+mn-lt"/>
+                <a:ea typeface="+mn-ea"/>
+                <a:cs typeface="+mn-cs"/>
+              </a:defRPr>
+            </a:lvl3pPr>
+            <a:lvl4pPr marL="1371600" indent="-336550" algn="l" defTabSz="914400" rtl="0" eaLnBrk="1" latinLnBrk="0" hangingPunct="1">
+              <a:spcBef>
+                <a:spcPts val="600"/>
+              </a:spcBef>
+              <a:buClr>
+                <a:schemeClr val="accent1">
+                  <a:lumMod val="60000"/>
+                  <a:lumOff val="40000"/>
+                </a:schemeClr>
+              </a:buClr>
+              <a:buSzPct val="90000"/>
+              <a:buFont typeface="Wingdings" pitchFamily="2" charset="2"/>
+              <a:buChar char="S"/>
+              <a:defRPr sz="1800" kern="1200">
+                <a:solidFill>
+                  <a:schemeClr val="tx1">
+                    <a:lumMod val="65000"/>
+                    <a:lumOff val="35000"/>
+                  </a:schemeClr>
+                </a:solidFill>
+                <a:latin typeface="+mn-lt"/>
+                <a:ea typeface="+mn-ea"/>
+                <a:cs typeface="+mn-cs"/>
+              </a:defRPr>
+            </a:lvl4pPr>
+            <a:lvl5pPr marL="1720850" indent="-349250" algn="l" defTabSz="914400" rtl="0" eaLnBrk="1" latinLnBrk="0" hangingPunct="1">
+              <a:spcBef>
+                <a:spcPts val="600"/>
+              </a:spcBef>
+              <a:buClr>
+                <a:schemeClr val="accent1"/>
+              </a:buClr>
+              <a:buSzPct val="90000"/>
+              <a:buFont typeface="Wingdings" pitchFamily="2" charset="2"/>
+              <a:buChar char="S"/>
+              <a:defRPr sz="1800" kern="1200">
+                <a:solidFill>
+                  <a:schemeClr val="tx1">
+                    <a:lumMod val="65000"/>
+                    <a:lumOff val="35000"/>
+                  </a:schemeClr>
+                </a:solidFill>
+                <a:latin typeface="+mn-lt"/>
+                <a:ea typeface="+mn-ea"/>
+                <a:cs typeface="+mn-cs"/>
+              </a:defRPr>
+            </a:lvl5pPr>
+            <a:lvl6pPr marL="2055813" indent="-344488" algn="l" defTabSz="914400" rtl="0" eaLnBrk="1" latinLnBrk="0" hangingPunct="1">
+              <a:spcBef>
+                <a:spcPct val="20000"/>
+              </a:spcBef>
+              <a:buClr>
+                <a:schemeClr val="accent1">
+                  <a:lumMod val="60000"/>
+                  <a:lumOff val="40000"/>
+                </a:schemeClr>
+              </a:buClr>
+              <a:buSzPct val="90000"/>
+              <a:buFont typeface="Wingdings" pitchFamily="2" charset="2"/>
+              <a:buChar char=""/>
+              <a:defRPr lang="en-US" sz="1800" kern="1200" dirty="0" smtClean="0">
+                <a:solidFill>
+                  <a:schemeClr val="tx1">
+                    <a:lumMod val="65000"/>
+                    <a:lumOff val="35000"/>
+                  </a:schemeClr>
+                </a:solidFill>
+                <a:latin typeface="+mn-lt"/>
+                <a:ea typeface="+mn-ea"/>
+                <a:cs typeface="+mn-cs"/>
+              </a:defRPr>
+            </a:lvl6pPr>
+            <a:lvl7pPr marL="2398713" indent="-344488" algn="l" defTabSz="914400" rtl="0" eaLnBrk="1" latinLnBrk="0" hangingPunct="1">
+              <a:spcBef>
+                <a:spcPct val="20000"/>
+              </a:spcBef>
+              <a:buClr>
+                <a:schemeClr val="accent1"/>
+              </a:buClr>
+              <a:buSzPct val="90000"/>
+              <a:buFont typeface="Wingdings" pitchFamily="2" charset="2"/>
+              <a:buChar char=""/>
+              <a:defRPr lang="en-US" sz="1800" kern="1200" dirty="0" smtClean="0">
+                <a:solidFill>
+                  <a:schemeClr val="tx1">
+                    <a:lumMod val="65000"/>
+                    <a:lumOff val="35000"/>
+                  </a:schemeClr>
+                </a:solidFill>
+                <a:latin typeface="+mn-lt"/>
+                <a:ea typeface="+mn-ea"/>
+                <a:cs typeface="+mn-cs"/>
+              </a:defRPr>
+            </a:lvl7pPr>
+            <a:lvl8pPr marL="2743200" indent="-344488" algn="l" defTabSz="914400" rtl="0" eaLnBrk="1" latinLnBrk="0" hangingPunct="1">
+              <a:spcBef>
+                <a:spcPct val="20000"/>
+              </a:spcBef>
+              <a:buClr>
+                <a:schemeClr val="accent1">
+                  <a:lumMod val="60000"/>
+                  <a:lumOff val="40000"/>
+                </a:schemeClr>
+              </a:buClr>
+              <a:buSzPct val="90000"/>
+              <a:buFont typeface="Wingdings" pitchFamily="2" charset="2"/>
+              <a:buChar char=""/>
+              <a:defRPr lang="en-US" sz="1800" kern="1200" dirty="0" smtClean="0">
+                <a:solidFill>
+                  <a:schemeClr val="tx1">
+                    <a:lumMod val="65000"/>
+                    <a:lumOff val="35000"/>
+                  </a:schemeClr>
+                </a:solidFill>
+                <a:latin typeface="+mn-lt"/>
+                <a:ea typeface="+mn-ea"/>
+                <a:cs typeface="+mn-cs"/>
+              </a:defRPr>
+            </a:lvl8pPr>
+            <a:lvl9pPr marL="3087688" indent="-344488" algn="l" defTabSz="914400" rtl="0" eaLnBrk="1" latinLnBrk="0" hangingPunct="1">
+              <a:spcBef>
+                <a:spcPct val="20000"/>
+              </a:spcBef>
+              <a:buClr>
+                <a:schemeClr val="accent1"/>
+              </a:buClr>
+              <a:buSzPct val="90000"/>
+              <a:buFont typeface="Wingdings" pitchFamily="2" charset="2"/>
+              <a:buChar char=""/>
+              <a:defRPr lang="en-US" sz="1800" kern="1200" dirty="0">
+                <a:solidFill>
+                  <a:schemeClr val="tx1">
+                    <a:lumMod val="65000"/>
+                    <a:lumOff val="35000"/>
+                  </a:schemeClr>
+                </a:solidFill>
+                <a:latin typeface="+mn-lt"/>
+                <a:ea typeface="+mn-ea"/>
+                <a:cs typeface="+mn-cs"/>
+              </a:defRPr>
+            </a:lvl9pPr>
+          </a:lstStyle>
+          <a:p>
+            <a:pPr>
+              <a:buClr>
+                <a:schemeClr val="bg2">
+                  <a:lumMod val="90000"/>
+                </a:schemeClr>
+              </a:buClr>
+            </a:pPr>
+            <a:r>
+              <a:rPr lang="fr-FR" dirty="0" smtClean="0"/>
+              <a:t>Reprise d’un </a:t>
+            </a:r>
+            <a:r>
+              <a:rPr lang="fr-FR" dirty="0" smtClean="0"/>
+              <a:t>classifieur linéaire déjà implémenté pendant le semestre précédent à ajuster </a:t>
+            </a:r>
+          </a:p>
+          <a:p>
+            <a:pPr>
+              <a:buClr>
+                <a:schemeClr val="bg2">
+                  <a:lumMod val="90000"/>
+                </a:schemeClr>
+              </a:buClr>
+            </a:pPr>
+            <a:r>
+              <a:rPr lang="fr-FR" dirty="0"/>
+              <a:t>G</a:t>
+            </a:r>
+            <a:r>
+              <a:rPr lang="fr-FR" dirty="0" smtClean="0"/>
+              <a:t>ain </a:t>
+            </a:r>
+            <a:r>
+              <a:rPr lang="fr-FR" dirty="0"/>
+              <a:t>de temps </a:t>
+            </a:r>
+            <a:r>
+              <a:rPr lang="fr-FR" dirty="0" smtClean="0"/>
+              <a:t>permettant de mieux calibrer notre réseau pendant </a:t>
+            </a:r>
+            <a:r>
+              <a:rPr lang="fr-FR" dirty="0"/>
+              <a:t>les </a:t>
+            </a:r>
+            <a:r>
+              <a:rPr lang="fr-FR" dirty="0" smtClean="0"/>
+              <a:t>phases de test</a:t>
+            </a:r>
             <a:endParaRPr lang="fr-FR" dirty="0"/>
+          </a:p>
+          <a:p>
+            <a:pPr>
+              <a:buClr>
+                <a:schemeClr val="bg2">
+                  <a:lumMod val="90000"/>
+                </a:schemeClr>
+              </a:buClr>
+            </a:pPr>
+            <a:r>
+              <a:rPr lang="fr-FR" dirty="0" smtClean="0"/>
+              <a:t>Approche théorique et réalisation </a:t>
+            </a:r>
+            <a:r>
+              <a:rPr lang="fr-FR" dirty="0" smtClean="0"/>
+              <a:t>mieux</a:t>
+            </a:r>
+            <a:r>
+              <a:rPr lang="fr-FR" dirty="0" smtClean="0"/>
+              <a:t> maîtrisée </a:t>
+            </a:r>
+            <a:r>
+              <a:rPr lang="fr-FR" dirty="0" smtClean="0"/>
+              <a:t>qu’un réseau de </a:t>
+            </a:r>
+            <a:r>
+              <a:rPr lang="fr-FR" dirty="0" err="1" smtClean="0"/>
+              <a:t>Hopfield</a:t>
+            </a:r>
+            <a:endParaRPr lang="fr-FR" dirty="0" smtClean="0"/>
+          </a:p>
+          <a:p>
+            <a:pPr>
+              <a:buClr>
+                <a:schemeClr val="bg2">
+                  <a:lumMod val="90000"/>
+                </a:schemeClr>
+              </a:buClr>
+            </a:pPr>
+            <a:endParaRPr lang="fr-FR" dirty="0" smtClean="0"/>
+          </a:p>
+          <a:p>
+            <a:pPr>
+              <a:buClr>
+                <a:schemeClr val="bg2">
+                  <a:lumMod val="90000"/>
+                </a:schemeClr>
+              </a:buClr>
+            </a:pPr>
+            <a:endParaRPr lang="fr-FR" dirty="0" smtClean="0"/>
           </a:p>
         </p:txBody>
       </p:sp>
@@ -6253,7 +6385,7 @@
   <p:timing>
     <p:tnLst>
       <p:par>
-        <p:cTn xmlns:p14="http://schemas.microsoft.com/office/powerpoint/2010/main" id="1" dur="indefinite" restart="never" nodeType="tmRoot"/>
+        <p:cTn id="1" dur="indefinite" restart="never" nodeType="tmRoot"/>
       </p:par>
     </p:tnLst>
   </p:timing>
@@ -6279,6 +6411,82 @@
       </p:grpSpPr>
       <p:sp>
         <p:nvSpPr>
+          <p:cNvPr id="47" name="Soleil 46"/>
+          <p:cNvSpPr/>
+          <p:nvPr/>
+        </p:nvSpPr>
+        <p:spPr>
+          <a:xfrm>
+            <a:off x="4145783" y="2582131"/>
+            <a:ext cx="560729" cy="560729"/>
+          </a:xfrm>
+          <a:prstGeom prst="sun">
+            <a:avLst/>
+          </a:prstGeom>
+        </p:spPr>
+        <p:style>
+          <a:lnRef idx="1">
+            <a:schemeClr val="accent3"/>
+          </a:lnRef>
+          <a:fillRef idx="3">
+            <a:schemeClr val="accent3"/>
+          </a:fillRef>
+          <a:effectRef idx="2">
+            <a:schemeClr val="accent3"/>
+          </a:effectRef>
+          <a:fontRef idx="minor">
+            <a:schemeClr val="lt1"/>
+          </a:fontRef>
+        </p:style>
+        <p:txBody>
+          <a:bodyPr rtlCol="0" anchor="ctr"/>
+          <a:lstStyle/>
+          <a:p>
+            <a:pPr algn="ctr"/>
+            <a:endParaRPr lang="fr-FR" dirty="0"/>
+          </a:p>
+        </p:txBody>
+      </p:sp>
+      <p:sp>
+        <p:nvSpPr>
+          <p:cNvPr id="48" name="Soleil 47"/>
+          <p:cNvSpPr/>
+          <p:nvPr/>
+        </p:nvSpPr>
+        <p:spPr>
+          <a:xfrm>
+            <a:off x="3307990" y="2762453"/>
+            <a:ext cx="1259575" cy="1259575"/>
+          </a:xfrm>
+          <a:prstGeom prst="sun">
+            <a:avLst/>
+          </a:prstGeom>
+        </p:spPr>
+        <p:style>
+          <a:lnRef idx="1">
+            <a:schemeClr val="accent3"/>
+          </a:lnRef>
+          <a:fillRef idx="3">
+            <a:schemeClr val="accent3"/>
+          </a:fillRef>
+          <a:effectRef idx="2">
+            <a:schemeClr val="accent3"/>
+          </a:effectRef>
+          <a:fontRef idx="minor">
+            <a:schemeClr val="lt1"/>
+          </a:fontRef>
+        </p:style>
+        <p:txBody>
+          <a:bodyPr rtlCol="0" anchor="ctr"/>
+          <a:lstStyle/>
+          <a:p>
+            <a:pPr algn="ctr"/>
+            <a:endParaRPr lang="fr-FR" dirty="0"/>
+          </a:p>
+        </p:txBody>
+      </p:sp>
+      <p:sp>
+        <p:nvSpPr>
           <p:cNvPr id="2" name="Titre 1"/>
           <p:cNvSpPr>
             <a:spLocks noGrp="1"/>
@@ -6294,173 +6502,9 @@
           <a:p>
             <a:r>
               <a:rPr lang="fr-FR" dirty="0" smtClean="0"/>
-              <a:t>Philosophie</a:t>
+              <a:t>Principe général</a:t>
             </a:r>
             <a:endParaRPr lang="fr-FR" dirty="0"/>
-          </a:p>
-        </p:txBody>
-      </p:sp>
-      <p:sp>
-        <p:nvSpPr>
-          <p:cNvPr id="3" name="Espace réservé du contenu 2"/>
-          <p:cNvSpPr>
-            <a:spLocks noGrp="1"/>
-          </p:cNvSpPr>
-          <p:nvPr>
-            <p:ph idx="1"/>
-          </p:nvPr>
-        </p:nvSpPr>
-        <p:spPr>
-          <a:xfrm>
-            <a:off x="708957" y="2527444"/>
-            <a:ext cx="7675225" cy="3661708"/>
-          </a:xfrm>
-        </p:spPr>
-        <p:txBody>
-          <a:bodyPr>
-            <a:normAutofit lnSpcReduction="10000"/>
-          </a:bodyPr>
-          <a:lstStyle/>
-          <a:p>
-            <a:pPr lvl="1">
-              <a:buClr>
-                <a:schemeClr val="bg2">
-                  <a:lumMod val="90000"/>
-                </a:schemeClr>
-              </a:buClr>
-            </a:pPr>
-            <a:r>
-              <a:rPr lang="fr-FR" sz="2400" dirty="0"/>
-              <a:t>Basée sur 6 points</a:t>
-            </a:r>
-            <a:r>
-              <a:rPr lang="fr-FR" b="1" dirty="0"/>
-              <a:t>:</a:t>
-            </a:r>
-          </a:p>
-          <a:p>
-            <a:pPr lvl="2">
-              <a:buClr>
-                <a:schemeClr val="bg2">
-                  <a:lumMod val="90000"/>
-                </a:schemeClr>
-              </a:buClr>
-            </a:pPr>
-            <a:r>
-              <a:rPr lang="fr-FR" b="1" dirty="0"/>
-              <a:t>Simplicité : </a:t>
-            </a:r>
-            <a:r>
-              <a:rPr lang="fr-FR" dirty="0"/>
-              <a:t>On décrira chaque étape de manière concise, aller au plus essentielle sans avoir à lire/écrire des milliers de pages.</a:t>
-            </a:r>
-            <a:endParaRPr lang="fr-FR" b="1" dirty="0"/>
-          </a:p>
-          <a:p>
-            <a:pPr lvl="2">
-              <a:buClr>
-                <a:schemeClr val="bg2">
-                  <a:lumMod val="90000"/>
-                </a:schemeClr>
-              </a:buClr>
-            </a:pPr>
-            <a:r>
-              <a:rPr lang="fr-FR" b="1" dirty="0"/>
-              <a:t>Agilité : </a:t>
-            </a:r>
-            <a:r>
-              <a:rPr lang="fr-FR" dirty="0"/>
-              <a:t>On suit les valeurs et les principes de l’Agile Alliance.</a:t>
-            </a:r>
-            <a:endParaRPr lang="fr-FR" b="1" dirty="0"/>
-          </a:p>
-          <a:p>
-            <a:pPr lvl="2">
-              <a:buClr>
-                <a:schemeClr val="bg2">
-                  <a:lumMod val="90000"/>
-                </a:schemeClr>
-              </a:buClr>
-            </a:pPr>
-            <a:r>
-              <a:rPr lang="fr-FR" b="1" dirty="0"/>
-              <a:t>Indépendance des outils : </a:t>
-            </a:r>
-            <a:r>
-              <a:rPr lang="fr-FR" dirty="0"/>
-              <a:t>On est libre d’utiliser les outils de notre choix. </a:t>
-            </a:r>
-            <a:endParaRPr lang="fr-FR" b="1" dirty="0"/>
-          </a:p>
-          <a:p>
-            <a:pPr lvl="2">
-              <a:buClr>
-                <a:schemeClr val="bg2">
-                  <a:lumMod val="90000"/>
-                </a:schemeClr>
-              </a:buClr>
-            </a:pPr>
-            <a:r>
-              <a:rPr lang="fr-FR" b="1" dirty="0"/>
-              <a:t>L’équipe sait ce qu’elle a à faire : </a:t>
-            </a:r>
-            <a:r>
-              <a:rPr lang="fr-FR" dirty="0"/>
-              <a:t>Elle n’a pas à suivre une longue procédure normalisée.</a:t>
-            </a:r>
-            <a:endParaRPr lang="fr-FR" b="1" dirty="0"/>
-          </a:p>
-          <a:p>
-            <a:pPr lvl="2">
-              <a:buClr>
-                <a:schemeClr val="bg2">
-                  <a:lumMod val="90000"/>
-                </a:schemeClr>
-              </a:buClr>
-            </a:pPr>
-            <a:r>
-              <a:rPr lang="fr-FR" b="1" dirty="0"/>
-              <a:t>Se concentrer sur les activités à forte valeur ajoutée : </a:t>
-            </a:r>
-            <a:r>
-              <a:rPr lang="fr-FR" dirty="0"/>
-              <a:t>On se focalise sur les étapes importantes du projet.</a:t>
-            </a:r>
-            <a:endParaRPr lang="fr-FR" b="1" dirty="0"/>
-          </a:p>
-          <a:p>
-            <a:pPr lvl="2">
-              <a:buClr>
-                <a:schemeClr val="bg2">
-                  <a:lumMod val="90000"/>
-                </a:schemeClr>
-              </a:buClr>
-            </a:pPr>
-            <a:r>
-              <a:rPr lang="fr-FR" b="1" dirty="0"/>
-              <a:t>Adaptabilité : </a:t>
-            </a:r>
-            <a:r>
-              <a:rPr lang="fr-FR" dirty="0"/>
-              <a:t>Nos productions doivent être suffisamment </a:t>
-            </a:r>
-            <a:r>
-              <a:rPr lang="fr-FR" dirty="0" smtClean="0"/>
-              <a:t>souples </a:t>
-            </a:r>
-            <a:r>
-              <a:rPr lang="fr-FR" dirty="0"/>
-              <a:t>pour pouvoir être </a:t>
-            </a:r>
-            <a:r>
-              <a:rPr lang="fr-FR" dirty="0" smtClean="0"/>
-              <a:t>adapté </a:t>
-            </a:r>
-            <a:r>
-              <a:rPr lang="fr-FR" dirty="0"/>
-              <a:t>pour d’autres besoins.</a:t>
-            </a:r>
-            <a:endParaRPr lang="fr-FR" b="1" dirty="0"/>
           </a:p>
         </p:txBody>
       </p:sp>
@@ -6472,8 +6516,8 @@
         </p:nvSpPr>
         <p:spPr>
           <a:xfrm>
-            <a:off x="708958" y="6558484"/>
-            <a:ext cx="7508776" cy="184397"/>
+            <a:off x="708957" y="6558484"/>
+            <a:ext cx="7717217" cy="184397"/>
           </a:xfrm>
           <a:prstGeom prst="round2DiagRect">
             <a:avLst/>
@@ -6518,7 +6562,7 @@
         <p:spPr>
           <a:xfrm>
             <a:off x="708958" y="6558484"/>
-            <a:ext cx="3754388" cy="184397"/>
+            <a:ext cx="3748552" cy="184397"/>
           </a:xfrm>
           <a:prstGeom prst="round2DiagRect">
             <a:avLst/>
@@ -6553,7 +6597,7 @@
       </p:sp>
       <p:sp>
         <p:nvSpPr>
-          <p:cNvPr id="7" name="ZoneTexte 6"/>
+          <p:cNvPr id="6" name="ZoneTexte 5"/>
           <p:cNvSpPr txBox="1"/>
           <p:nvPr/>
         </p:nvSpPr>
@@ -6598,65 +6642,656 @@
           </a:p>
         </p:txBody>
       </p:sp>
+      <p:sp>
+        <p:nvSpPr>
+          <p:cNvPr id="3" name="Soleil 2"/>
+          <p:cNvSpPr/>
+          <p:nvPr/>
+        </p:nvSpPr>
+        <p:spPr>
+          <a:xfrm>
+            <a:off x="3480955" y="3023351"/>
+            <a:ext cx="2513840" cy="2513840"/>
+          </a:xfrm>
+          <a:prstGeom prst="sun">
+            <a:avLst/>
+          </a:prstGeom>
+        </p:spPr>
+        <p:style>
+          <a:lnRef idx="1">
+            <a:schemeClr val="accent3"/>
+          </a:lnRef>
+          <a:fillRef idx="3">
+            <a:schemeClr val="accent3"/>
+          </a:fillRef>
+          <a:effectRef idx="2">
+            <a:schemeClr val="accent3"/>
+          </a:effectRef>
+          <a:fontRef idx="minor">
+            <a:schemeClr val="lt1"/>
+          </a:fontRef>
+        </p:style>
+        <p:txBody>
+          <a:bodyPr rtlCol="0" anchor="ctr"/>
+          <a:lstStyle/>
+          <a:p>
+            <a:pPr algn="ctr"/>
+            <a:endParaRPr lang="fr-FR" dirty="0"/>
+          </a:p>
+        </p:txBody>
+      </p:sp>
+      <p:sp>
+        <p:nvSpPr>
+          <p:cNvPr id="7" name="ZoneTexte 6"/>
+          <p:cNvSpPr txBox="1"/>
+          <p:nvPr/>
+        </p:nvSpPr>
+        <p:spPr>
+          <a:xfrm>
+            <a:off x="3713231" y="4085803"/>
+            <a:ext cx="2049288" cy="369332"/>
+          </a:xfrm>
+          <a:prstGeom prst="rect">
+            <a:avLst/>
+          </a:prstGeom>
+          <a:noFill/>
+        </p:spPr>
+        <p:txBody>
+          <a:bodyPr wrap="square" rtlCol="0">
+            <a:spAutoFit/>
+          </a:bodyPr>
+          <a:lstStyle/>
+          <a:p>
+            <a:pPr algn="ctr"/>
+            <a:r>
+              <a:rPr lang="fr-FR" dirty="0" smtClean="0">
+                <a:ln w="18415" cmpd="sng">
+                  <a:solidFill>
+                    <a:srgbClr val="FFFFFF"/>
+                  </a:solidFill>
+                  <a:prstDash val="solid"/>
+                </a:ln>
+                <a:solidFill>
+                  <a:srgbClr val="FFFFFF"/>
+                </a:solidFill>
+                <a:effectLst>
+                  <a:outerShdw blurRad="63500" dir="3600000" algn="tl" rotWithShape="0">
+                    <a:srgbClr val="000000">
+                      <a:alpha val="70000"/>
+                    </a:srgbClr>
+                  </a:outerShdw>
+                </a:effectLst>
+              </a:rPr>
+              <a:t>Perceptrons</a:t>
+            </a:r>
+            <a:endParaRPr lang="fr-FR" dirty="0">
+              <a:ln w="18415" cmpd="sng">
+                <a:solidFill>
+                  <a:srgbClr val="FFFFFF"/>
+                </a:solidFill>
+                <a:prstDash val="solid"/>
+              </a:ln>
+              <a:solidFill>
+                <a:srgbClr val="FFFFFF"/>
+              </a:solidFill>
+              <a:effectLst>
+                <a:outerShdw blurRad="63500" dir="3600000" algn="tl" rotWithShape="0">
+                  <a:srgbClr val="000000">
+                    <a:alpha val="70000"/>
+                  </a:srgbClr>
+                </a:outerShdw>
+              </a:effectLst>
+            </a:endParaRPr>
+          </a:p>
+        </p:txBody>
+      </p:sp>
+      <p:cxnSp>
+        <p:nvCxnSpPr>
+          <p:cNvPr id="13" name="Connecteur droit avec flèche 12"/>
+          <p:cNvCxnSpPr/>
+          <p:nvPr/>
+        </p:nvCxnSpPr>
+        <p:spPr>
+          <a:xfrm>
+            <a:off x="1539018" y="4174394"/>
+            <a:ext cx="1633030" cy="0"/>
+          </a:xfrm>
+          <a:prstGeom prst="straightConnector1">
+            <a:avLst/>
+          </a:prstGeom>
+          <a:ln>
+            <a:tailEnd type="arrow"/>
+          </a:ln>
+        </p:spPr>
+        <p:style>
+          <a:lnRef idx="2">
+            <a:schemeClr val="accent3"/>
+          </a:lnRef>
+          <a:fillRef idx="0">
+            <a:schemeClr val="accent3"/>
+          </a:fillRef>
+          <a:effectRef idx="1">
+            <a:schemeClr val="accent3"/>
+          </a:effectRef>
+          <a:fontRef idx="minor">
+            <a:schemeClr val="tx1"/>
+          </a:fontRef>
+        </p:style>
+      </p:cxnSp>
       <p:pic>
         <p:nvPicPr>
-          <p:cNvPr id="8" name="Image 7"/>
+          <p:cNvPr id="3074" name="Picture 2" descr="\\vmware-host\Shared Folders\Spleen\Downloads\Screenshot 2014-06-30 à 11.12.59.png"/>
           <p:cNvPicPr>
-            <a:picLocks noChangeAspect="1"/>
+            <a:picLocks noChangeAspect="1" noChangeArrowheads="1"/>
           </p:cNvPicPr>
           <p:nvPr/>
         </p:nvPicPr>
-        <p:blipFill rotWithShape="1">
-          <a:blip r:embed="rId2"/>
-          <a:srcRect l="-8270" t="-11785" r="-8270" b="-12219"/>
-          <a:stretch/>
+        <p:blipFill>
+          <a:blip r:embed="rId2">
+            <a:extLst>
+              <a:ext uri="{28A0092B-C50C-407E-A947-70E740481C1C}">
+                <a14:useLocalDpi xmlns:a14="http://schemas.microsoft.com/office/drawing/2010/main" val="0"/>
+              </a:ext>
+            </a:extLst>
+          </a:blip>
+          <a:srcRect/>
+          <a:stretch>
+            <a:fillRect/>
+          </a:stretch>
         </p:blipFill>
-        <p:spPr>
-          <a:xfrm>
-            <a:off x="260601" y="345141"/>
-            <a:ext cx="1454620" cy="723066"/>
+        <p:spPr bwMode="auto">
+          <a:xfrm>
+            <a:off x="1137748" y="2929844"/>
+            <a:ext cx="401270" cy="2712029"/>
           </a:xfrm>
           <a:prstGeom prst="rect">
             <a:avLst/>
           </a:prstGeom>
-          <a:solidFill>
-            <a:srgbClr val="FFFFFF">
-              <a:shade val="85000"/>
-            </a:srgbClr>
-          </a:solidFill>
-          <a:ln w="76200" cap="sq">
-            <a:solidFill>
-              <a:schemeClr val="bg1"/>
-            </a:solidFill>
-            <a:miter lim="800000"/>
+          <a:noFill/>
+          <a:extLst>
+            <a:ext uri="{909E8E84-426E-40DD-AFC4-6F175D3DCCD1}">
+              <a14:hiddenFill xmlns:a14="http://schemas.microsoft.com/office/drawing/2010/main">
+                <a:solidFill>
+                  <a:srgbClr val="FFFFFF"/>
+                </a:solidFill>
+              </a14:hiddenFill>
+            </a:ext>
+          </a:extLst>
+        </p:spPr>
+      </p:pic>
+      <p:sp>
+        <p:nvSpPr>
+          <p:cNvPr id="17" name="ZoneTexte 16"/>
+          <p:cNvSpPr txBox="1"/>
+          <p:nvPr/>
+        </p:nvSpPr>
+        <p:spPr>
+          <a:xfrm>
+            <a:off x="72736" y="3758896"/>
+            <a:ext cx="1184563" cy="1015663"/>
+          </a:xfrm>
+          <a:prstGeom prst="rect">
+            <a:avLst/>
+          </a:prstGeom>
+          <a:noFill/>
+        </p:spPr>
+        <p:txBody>
+          <a:bodyPr wrap="square" rtlCol="0">
+            <a:spAutoFit/>
+          </a:bodyPr>
+          <a:lstStyle/>
+          <a:p>
+            <a:r>
+              <a:rPr lang="fr-FR" sz="1200" b="1" dirty="0" smtClean="0"/>
+              <a:t>Entrées : </a:t>
+            </a:r>
+            <a:r>
+              <a:rPr lang="fr-FR" sz="1200" dirty="0" smtClean="0"/>
+              <a:t>Matrices (5x9) -modèles en représentation binaire</a:t>
+            </a:r>
+            <a:endParaRPr lang="fr-FR" sz="1200" dirty="0"/>
+          </a:p>
+        </p:txBody>
+      </p:sp>
+      <p:sp>
+        <p:nvSpPr>
+          <p:cNvPr id="19" name="ZoneTexte 18"/>
+          <p:cNvSpPr txBox="1"/>
+          <p:nvPr/>
+        </p:nvSpPr>
+        <p:spPr>
+          <a:xfrm>
+            <a:off x="2843808" y="5641873"/>
+            <a:ext cx="3788134" cy="738664"/>
+          </a:xfrm>
+          <a:prstGeom prst="rect">
+            <a:avLst/>
+          </a:prstGeom>
+          <a:noFill/>
+        </p:spPr>
+        <p:txBody>
+          <a:bodyPr wrap="square" rtlCol="0">
+            <a:spAutoFit/>
+          </a:bodyPr>
+          <a:lstStyle/>
+          <a:p>
+            <a:pPr algn="ctr"/>
+            <a:r>
+              <a:rPr lang="fr-FR" sz="1400" dirty="0" smtClean="0"/>
+              <a:t>Chaque perceptron reconnaît un caractère mais il a aussi connaissance des caractères qui ne sont pas les siens</a:t>
+            </a:r>
+          </a:p>
+        </p:txBody>
+      </p:sp>
+      <p:cxnSp>
+        <p:nvCxnSpPr>
+          <p:cNvPr id="22" name="Connecteur droit avec flèche 21"/>
+          <p:cNvCxnSpPr/>
+          <p:nvPr/>
+        </p:nvCxnSpPr>
+        <p:spPr>
+          <a:xfrm flipV="1">
+            <a:off x="6067911" y="4280271"/>
+            <a:ext cx="1382371" cy="5589"/>
+          </a:xfrm>
+          <a:prstGeom prst="straightConnector1">
+            <a:avLst/>
+          </a:prstGeom>
+          <a:ln>
+            <a:tailEnd type="arrow"/>
           </a:ln>
-          <a:effectLst>
-            <a:outerShdw blurRad="50800" dist="38100" dir="16200000" rotWithShape="0">
-              <a:prstClr val="black">
-                <a:alpha val="40000"/>
-              </a:prstClr>
-            </a:outerShdw>
-          </a:effectLst>
-          <a:scene3d>
-            <a:camera prst="orthographicFront">
-              <a:rot lat="0" lon="0" rev="360000"/>
-            </a:camera>
-            <a:lightRig rig="twoPt" dir="t">
-              <a:rot lat="0" lon="0" rev="7200000"/>
-            </a:lightRig>
-          </a:scene3d>
-          <a:sp3d contourW="12700">
-            <a:bevelT w="25400" h="19050"/>
-            <a:contourClr>
-              <a:srgbClr val="969696"/>
-            </a:contourClr>
-          </a:sp3d>
-        </p:spPr>
-      </p:pic>
+        </p:spPr>
+        <p:style>
+          <a:lnRef idx="2">
+            <a:schemeClr val="accent3"/>
+          </a:lnRef>
+          <a:fillRef idx="0">
+            <a:schemeClr val="accent3"/>
+          </a:fillRef>
+          <a:effectRef idx="1">
+            <a:schemeClr val="accent3"/>
+          </a:effectRef>
+          <a:fontRef idx="minor">
+            <a:schemeClr val="tx1"/>
+          </a:fontRef>
+        </p:style>
+      </p:cxnSp>
+      <p:sp>
+        <p:nvSpPr>
+          <p:cNvPr id="24" name="ZoneTexte 23"/>
+          <p:cNvSpPr txBox="1"/>
+          <p:nvPr/>
+        </p:nvSpPr>
+        <p:spPr>
+          <a:xfrm>
+            <a:off x="7450282" y="3808806"/>
+            <a:ext cx="1543240" cy="1169551"/>
+          </a:xfrm>
+          <a:prstGeom prst="rect">
+            <a:avLst/>
+          </a:prstGeom>
+          <a:noFill/>
+        </p:spPr>
+        <p:txBody>
+          <a:bodyPr wrap="square" rtlCol="0">
+            <a:spAutoFit/>
+          </a:bodyPr>
+          <a:lstStyle/>
+          <a:p>
+            <a:pPr algn="ctr"/>
+            <a:r>
+              <a:rPr lang="fr-FR" sz="1400" b="1" dirty="0" smtClean="0"/>
+              <a:t>Sortie : </a:t>
+            </a:r>
+            <a:r>
+              <a:rPr lang="fr-FR" sz="1400" dirty="0" smtClean="0"/>
+              <a:t>Pourcentage de certitude sur le caractère reconnu</a:t>
+            </a:r>
+          </a:p>
+        </p:txBody>
+      </p:sp>
+      <p:sp>
+        <p:nvSpPr>
+          <p:cNvPr id="23" name="Accolade ouvrante 22"/>
+          <p:cNvSpPr/>
+          <p:nvPr/>
+        </p:nvSpPr>
+        <p:spPr>
+          <a:xfrm flipH="1">
+            <a:off x="1396365" y="2825937"/>
+            <a:ext cx="285305" cy="2919846"/>
+          </a:xfrm>
+          <a:prstGeom prst="leftBrace">
+            <a:avLst>
+              <a:gd name="adj1" fmla="val 31639"/>
+              <a:gd name="adj2" fmla="val 50000"/>
+            </a:avLst>
+          </a:prstGeom>
+        </p:spPr>
+        <p:style>
+          <a:lnRef idx="2">
+            <a:schemeClr val="accent3"/>
+          </a:lnRef>
+          <a:fillRef idx="0">
+            <a:schemeClr val="accent3"/>
+          </a:fillRef>
+          <a:effectRef idx="1">
+            <a:schemeClr val="accent3"/>
+          </a:effectRef>
+          <a:fontRef idx="minor">
+            <a:schemeClr val="tx1"/>
+          </a:fontRef>
+        </p:style>
+        <p:txBody>
+          <a:bodyPr rtlCol="0" anchor="ctr"/>
+          <a:lstStyle/>
+          <a:p>
+            <a:pPr algn="ctr"/>
+            <a:endParaRPr lang="fr-FR"/>
+          </a:p>
+        </p:txBody>
+      </p:sp>
+      <p:cxnSp>
+        <p:nvCxnSpPr>
+          <p:cNvPr id="28" name="Connecteur droit avec flèche 27"/>
+          <p:cNvCxnSpPr/>
+          <p:nvPr/>
+        </p:nvCxnSpPr>
+        <p:spPr>
+          <a:xfrm>
+            <a:off x="1539018" y="3142860"/>
+            <a:ext cx="1633030" cy="0"/>
+          </a:xfrm>
+          <a:prstGeom prst="straightConnector1">
+            <a:avLst/>
+          </a:prstGeom>
+          <a:ln>
+            <a:tailEnd type="arrow"/>
+          </a:ln>
+        </p:spPr>
+        <p:style>
+          <a:lnRef idx="2">
+            <a:schemeClr val="accent3"/>
+          </a:lnRef>
+          <a:fillRef idx="0">
+            <a:schemeClr val="accent3"/>
+          </a:fillRef>
+          <a:effectRef idx="1">
+            <a:schemeClr val="accent3"/>
+          </a:effectRef>
+          <a:fontRef idx="minor">
+            <a:schemeClr val="tx1"/>
+          </a:fontRef>
+        </p:style>
+      </p:cxnSp>
+      <p:cxnSp>
+        <p:nvCxnSpPr>
+          <p:cNvPr id="29" name="Connecteur droit avec flèche 28"/>
+          <p:cNvCxnSpPr/>
+          <p:nvPr/>
+        </p:nvCxnSpPr>
+        <p:spPr>
+          <a:xfrm>
+            <a:off x="1539018" y="3392241"/>
+            <a:ext cx="1633030" cy="0"/>
+          </a:xfrm>
+          <a:prstGeom prst="straightConnector1">
+            <a:avLst/>
+          </a:prstGeom>
+          <a:ln>
+            <a:tailEnd type="arrow"/>
+          </a:ln>
+        </p:spPr>
+        <p:style>
+          <a:lnRef idx="2">
+            <a:schemeClr val="accent3"/>
+          </a:lnRef>
+          <a:fillRef idx="0">
+            <a:schemeClr val="accent3"/>
+          </a:fillRef>
+          <a:effectRef idx="1">
+            <a:schemeClr val="accent3"/>
+          </a:effectRef>
+          <a:fontRef idx="minor">
+            <a:schemeClr val="tx1"/>
+          </a:fontRef>
+        </p:style>
+      </p:cxnSp>
+      <p:cxnSp>
+        <p:nvCxnSpPr>
+          <p:cNvPr id="30" name="Connecteur droit avec flèche 29"/>
+          <p:cNvCxnSpPr/>
+          <p:nvPr/>
+        </p:nvCxnSpPr>
+        <p:spPr>
+          <a:xfrm>
+            <a:off x="1539018" y="3641622"/>
+            <a:ext cx="1633030" cy="0"/>
+          </a:xfrm>
+          <a:prstGeom prst="straightConnector1">
+            <a:avLst/>
+          </a:prstGeom>
+          <a:ln>
+            <a:tailEnd type="arrow"/>
+          </a:ln>
+        </p:spPr>
+        <p:style>
+          <a:lnRef idx="2">
+            <a:schemeClr val="accent3"/>
+          </a:lnRef>
+          <a:fillRef idx="0">
+            <a:schemeClr val="accent3"/>
+          </a:fillRef>
+          <a:effectRef idx="1">
+            <a:schemeClr val="accent3"/>
+          </a:effectRef>
+          <a:fontRef idx="minor">
+            <a:schemeClr val="tx1"/>
+          </a:fontRef>
+        </p:style>
+      </p:cxnSp>
+      <p:cxnSp>
+        <p:nvCxnSpPr>
+          <p:cNvPr id="31" name="Connecteur droit avec flèche 30"/>
+          <p:cNvCxnSpPr/>
+          <p:nvPr/>
+        </p:nvCxnSpPr>
+        <p:spPr>
+          <a:xfrm>
+            <a:off x="1539018" y="3922176"/>
+            <a:ext cx="1633030" cy="0"/>
+          </a:xfrm>
+          <a:prstGeom prst="straightConnector1">
+            <a:avLst/>
+          </a:prstGeom>
+          <a:ln>
+            <a:tailEnd type="arrow"/>
+          </a:ln>
+        </p:spPr>
+        <p:style>
+          <a:lnRef idx="2">
+            <a:schemeClr val="accent3"/>
+          </a:lnRef>
+          <a:fillRef idx="0">
+            <a:schemeClr val="accent3"/>
+          </a:fillRef>
+          <a:effectRef idx="1">
+            <a:schemeClr val="accent3"/>
+          </a:effectRef>
+          <a:fontRef idx="minor">
+            <a:schemeClr val="tx1"/>
+          </a:fontRef>
+        </p:style>
+      </p:cxnSp>
+      <p:cxnSp>
+        <p:nvCxnSpPr>
+          <p:cNvPr id="32" name="Connecteur droit avec flèche 31"/>
+          <p:cNvCxnSpPr/>
+          <p:nvPr/>
+        </p:nvCxnSpPr>
+        <p:spPr>
+          <a:xfrm>
+            <a:off x="1539018" y="4402994"/>
+            <a:ext cx="1633030" cy="0"/>
+          </a:xfrm>
+          <a:prstGeom prst="straightConnector1">
+            <a:avLst/>
+          </a:prstGeom>
+          <a:ln>
+            <a:tailEnd type="arrow"/>
+          </a:ln>
+        </p:spPr>
+        <p:style>
+          <a:lnRef idx="2">
+            <a:schemeClr val="accent3"/>
+          </a:lnRef>
+          <a:fillRef idx="0">
+            <a:schemeClr val="accent3"/>
+          </a:fillRef>
+          <a:effectRef idx="1">
+            <a:schemeClr val="accent3"/>
+          </a:effectRef>
+          <a:fontRef idx="minor">
+            <a:schemeClr val="tx1"/>
+          </a:fontRef>
+        </p:style>
+      </p:cxnSp>
+      <p:cxnSp>
+        <p:nvCxnSpPr>
+          <p:cNvPr id="33" name="Connecteur droit avec flèche 32"/>
+          <p:cNvCxnSpPr/>
+          <p:nvPr/>
+        </p:nvCxnSpPr>
+        <p:spPr>
+          <a:xfrm>
+            <a:off x="1539018" y="4683549"/>
+            <a:ext cx="1633030" cy="0"/>
+          </a:xfrm>
+          <a:prstGeom prst="straightConnector1">
+            <a:avLst/>
+          </a:prstGeom>
+          <a:ln>
+            <a:tailEnd type="arrow"/>
+          </a:ln>
+        </p:spPr>
+        <p:style>
+          <a:lnRef idx="2">
+            <a:schemeClr val="accent3"/>
+          </a:lnRef>
+          <a:fillRef idx="0">
+            <a:schemeClr val="accent3"/>
+          </a:fillRef>
+          <a:effectRef idx="1">
+            <a:schemeClr val="accent3"/>
+          </a:effectRef>
+          <a:fontRef idx="minor">
+            <a:schemeClr val="tx1"/>
+          </a:fontRef>
+        </p:style>
+      </p:cxnSp>
+      <p:cxnSp>
+        <p:nvCxnSpPr>
+          <p:cNvPr id="34" name="Connecteur droit avec flèche 33"/>
+          <p:cNvCxnSpPr/>
+          <p:nvPr/>
+        </p:nvCxnSpPr>
+        <p:spPr>
+          <a:xfrm>
+            <a:off x="1539018" y="4953713"/>
+            <a:ext cx="1633030" cy="0"/>
+          </a:xfrm>
+          <a:prstGeom prst="straightConnector1">
+            <a:avLst/>
+          </a:prstGeom>
+          <a:ln>
+            <a:tailEnd type="arrow"/>
+          </a:ln>
+        </p:spPr>
+        <p:style>
+          <a:lnRef idx="2">
+            <a:schemeClr val="accent3"/>
+          </a:lnRef>
+          <a:fillRef idx="0">
+            <a:schemeClr val="accent3"/>
+          </a:fillRef>
+          <a:effectRef idx="1">
+            <a:schemeClr val="accent3"/>
+          </a:effectRef>
+          <a:fontRef idx="minor">
+            <a:schemeClr val="tx1"/>
+          </a:fontRef>
+        </p:style>
+      </p:cxnSp>
+      <p:cxnSp>
+        <p:nvCxnSpPr>
+          <p:cNvPr id="35" name="Connecteur droit avec flèche 34"/>
+          <p:cNvCxnSpPr/>
+          <p:nvPr/>
+        </p:nvCxnSpPr>
+        <p:spPr>
+          <a:xfrm>
+            <a:off x="1539018" y="5182313"/>
+            <a:ext cx="1633030" cy="0"/>
+          </a:xfrm>
+          <a:prstGeom prst="straightConnector1">
+            <a:avLst/>
+          </a:prstGeom>
+          <a:ln>
+            <a:tailEnd type="arrow"/>
+          </a:ln>
+        </p:spPr>
+        <p:style>
+          <a:lnRef idx="2">
+            <a:schemeClr val="accent3"/>
+          </a:lnRef>
+          <a:fillRef idx="0">
+            <a:schemeClr val="accent3"/>
+          </a:fillRef>
+          <a:effectRef idx="1">
+            <a:schemeClr val="accent3"/>
+          </a:effectRef>
+          <a:fontRef idx="minor">
+            <a:schemeClr val="tx1"/>
+          </a:fontRef>
+        </p:style>
+      </p:cxnSp>
+      <p:cxnSp>
+        <p:nvCxnSpPr>
+          <p:cNvPr id="36" name="Connecteur droit avec flèche 35"/>
+          <p:cNvCxnSpPr/>
+          <p:nvPr/>
+        </p:nvCxnSpPr>
+        <p:spPr>
+          <a:xfrm>
+            <a:off x="1539018" y="5431694"/>
+            <a:ext cx="1633030" cy="0"/>
+          </a:xfrm>
+          <a:prstGeom prst="straightConnector1">
+            <a:avLst/>
+          </a:prstGeom>
+          <a:ln>
+            <a:tailEnd type="arrow"/>
+          </a:ln>
+        </p:spPr>
+        <p:style>
+          <a:lnRef idx="2">
+            <a:schemeClr val="accent3"/>
+          </a:lnRef>
+          <a:fillRef idx="0">
+            <a:schemeClr val="accent3"/>
+          </a:fillRef>
+          <a:effectRef idx="1">
+            <a:schemeClr val="accent3"/>
+          </a:effectRef>
+          <a:fontRef idx="minor">
+            <a:schemeClr val="tx1"/>
+          </a:fontRef>
+        </p:style>
+      </p:cxnSp>
     </p:spTree>
     <p:extLst>
       <p:ext uri="{BB962C8B-B14F-4D97-AF65-F5344CB8AC3E}">
-        <p14:creationId xmlns:p14="http://schemas.microsoft.com/office/powerpoint/2010/main" val="3439060787"/>
+        <p14:creationId xmlns:p14="http://schemas.microsoft.com/office/powerpoint/2010/main" val="4290655064"/>
       </p:ext>
     </p:extLst>
   </p:cSld>
@@ -6666,7 +7301,7 @@
   <p:timing>
     <p:tnLst>
       <p:par>
-        <p:cTn xmlns:p14="http://schemas.microsoft.com/office/powerpoint/2010/main" id="1" dur="indefinite" restart="never" nodeType="tmRoot"/>
+        <p:cTn id="1" dur="indefinite" restart="never" nodeType="tmRoot"/>
       </p:par>
     </p:tnLst>
   </p:timing>
@@ -6707,7 +7342,11 @@
           <a:p>
             <a:r>
               <a:rPr lang="fr-FR" dirty="0" smtClean="0"/>
-              <a:t>Livrables</a:t>
+              <a:t>En p</a:t>
+            </a:r>
+            <a:r>
+              <a:rPr lang="fr-FR" dirty="0" smtClean="0"/>
+              <a:t>ratique</a:t>
             </a:r>
             <a:endParaRPr lang="fr-FR" dirty="0"/>
           </a:p>
@@ -6721,8 +7360,8 @@
         </p:nvSpPr>
         <p:spPr>
           <a:xfrm>
-            <a:off x="708958" y="6558484"/>
-            <a:ext cx="7508776" cy="184397"/>
+            <a:off x="708957" y="6558484"/>
+            <a:ext cx="7717217" cy="184397"/>
           </a:xfrm>
           <a:prstGeom prst="round2DiagRect">
             <a:avLst/>
@@ -6767,7 +7406,7 @@
         <p:spPr>
           <a:xfrm>
             <a:off x="708957" y="6558484"/>
-            <a:ext cx="5057998" cy="184397"/>
+            <a:ext cx="4517669" cy="184397"/>
           </a:xfrm>
           <a:prstGeom prst="round2DiagRect">
             <a:avLst/>
@@ -6802,7 +7441,7 @@
       </p:sp>
       <p:sp>
         <p:nvSpPr>
-          <p:cNvPr id="8" name="ZoneTexte 7"/>
+          <p:cNvPr id="6" name="ZoneTexte 5"/>
           <p:cNvSpPr txBox="1"/>
           <p:nvPr/>
         </p:nvSpPr>
@@ -6847,9 +7486,294 @@
           </a:p>
         </p:txBody>
       </p:sp>
+      <p:sp>
+        <p:nvSpPr>
+          <p:cNvPr id="14" name="Espace réservé du contenu 2"/>
+          <p:cNvSpPr txBox="1">
+            <a:spLocks/>
+          </p:cNvSpPr>
+          <p:nvPr/>
+        </p:nvSpPr>
+        <p:spPr>
+          <a:xfrm>
+            <a:off x="708957" y="2770094"/>
+            <a:ext cx="7662864" cy="3267169"/>
+          </a:xfrm>
+          <a:prstGeom prst="rect">
+            <a:avLst/>
+          </a:prstGeom>
+        </p:spPr>
+        <p:txBody>
+          <a:bodyPr vert="horz" lIns="91440" tIns="45720" rIns="91440" bIns="45720" rtlCol="0">
+            <a:normAutofit/>
+          </a:bodyPr>
+          <a:lstStyle>
+            <a:lvl1pPr marL="342900" indent="-342900" algn="l" defTabSz="914400" rtl="0" eaLnBrk="1" latinLnBrk="0" hangingPunct="1">
+              <a:spcBef>
+                <a:spcPts val="2000"/>
+              </a:spcBef>
+              <a:buClr>
+                <a:schemeClr val="accent1"/>
+              </a:buClr>
+              <a:buSzPct val="90000"/>
+              <a:buFont typeface="Wingdings" pitchFamily="2" charset="2"/>
+              <a:buChar char="S"/>
+              <a:defRPr sz="2200" kern="1200">
+                <a:solidFill>
+                  <a:schemeClr val="tx1">
+                    <a:lumMod val="65000"/>
+                    <a:lumOff val="35000"/>
+                  </a:schemeClr>
+                </a:solidFill>
+                <a:latin typeface="+mn-lt"/>
+                <a:ea typeface="+mn-ea"/>
+                <a:cs typeface="+mn-cs"/>
+              </a:defRPr>
+            </a:lvl1pPr>
+            <a:lvl2pPr marL="685800" indent="-336550" algn="l" defTabSz="914400" rtl="0" eaLnBrk="1" latinLnBrk="0" hangingPunct="1">
+              <a:spcBef>
+                <a:spcPts val="600"/>
+              </a:spcBef>
+              <a:buClr>
+                <a:schemeClr val="accent1">
+                  <a:lumMod val="60000"/>
+                  <a:lumOff val="40000"/>
+                </a:schemeClr>
+              </a:buClr>
+              <a:buSzPct val="90000"/>
+              <a:buFont typeface="Wingdings" pitchFamily="2" charset="2"/>
+              <a:buChar char="S"/>
+              <a:defRPr sz="2000" kern="1200">
+                <a:solidFill>
+                  <a:schemeClr val="tx1">
+                    <a:lumMod val="65000"/>
+                    <a:lumOff val="35000"/>
+                  </a:schemeClr>
+                </a:solidFill>
+                <a:latin typeface="+mn-lt"/>
+                <a:ea typeface="+mn-ea"/>
+                <a:cs typeface="+mn-cs"/>
+              </a:defRPr>
+            </a:lvl2pPr>
+            <a:lvl3pPr marL="1035050" indent="-349250" algn="l" defTabSz="914400" rtl="0" eaLnBrk="1" latinLnBrk="0" hangingPunct="1">
+              <a:spcBef>
+                <a:spcPts val="600"/>
+              </a:spcBef>
+              <a:buClr>
+                <a:schemeClr val="accent1"/>
+              </a:buClr>
+              <a:buSzPct val="90000"/>
+              <a:buFont typeface="Wingdings" pitchFamily="2" charset="2"/>
+              <a:buChar char="S"/>
+              <a:defRPr sz="1800" kern="1200">
+                <a:solidFill>
+                  <a:schemeClr val="tx1">
+                    <a:lumMod val="65000"/>
+                    <a:lumOff val="35000"/>
+                  </a:schemeClr>
+                </a:solidFill>
+                <a:latin typeface="+mn-lt"/>
+                <a:ea typeface="+mn-ea"/>
+                <a:cs typeface="+mn-cs"/>
+              </a:defRPr>
+            </a:lvl3pPr>
+            <a:lvl4pPr marL="1371600" indent="-336550" algn="l" defTabSz="914400" rtl="0" eaLnBrk="1" latinLnBrk="0" hangingPunct="1">
+              <a:spcBef>
+                <a:spcPts val="600"/>
+              </a:spcBef>
+              <a:buClr>
+                <a:schemeClr val="accent1">
+                  <a:lumMod val="60000"/>
+                  <a:lumOff val="40000"/>
+                </a:schemeClr>
+              </a:buClr>
+              <a:buSzPct val="90000"/>
+              <a:buFont typeface="Wingdings" pitchFamily="2" charset="2"/>
+              <a:buChar char="S"/>
+              <a:defRPr sz="1800" kern="1200">
+                <a:solidFill>
+                  <a:schemeClr val="tx1">
+                    <a:lumMod val="65000"/>
+                    <a:lumOff val="35000"/>
+                  </a:schemeClr>
+                </a:solidFill>
+                <a:latin typeface="+mn-lt"/>
+                <a:ea typeface="+mn-ea"/>
+                <a:cs typeface="+mn-cs"/>
+              </a:defRPr>
+            </a:lvl4pPr>
+            <a:lvl5pPr marL="1720850" indent="-349250" algn="l" defTabSz="914400" rtl="0" eaLnBrk="1" latinLnBrk="0" hangingPunct="1">
+              <a:spcBef>
+                <a:spcPts val="600"/>
+              </a:spcBef>
+              <a:buClr>
+                <a:schemeClr val="accent1"/>
+              </a:buClr>
+              <a:buSzPct val="90000"/>
+              <a:buFont typeface="Wingdings" pitchFamily="2" charset="2"/>
+              <a:buChar char="S"/>
+              <a:defRPr sz="1800" kern="1200">
+                <a:solidFill>
+                  <a:schemeClr val="tx1">
+                    <a:lumMod val="65000"/>
+                    <a:lumOff val="35000"/>
+                  </a:schemeClr>
+                </a:solidFill>
+                <a:latin typeface="+mn-lt"/>
+                <a:ea typeface="+mn-ea"/>
+                <a:cs typeface="+mn-cs"/>
+              </a:defRPr>
+            </a:lvl5pPr>
+            <a:lvl6pPr marL="2055813" indent="-344488" algn="l" defTabSz="914400" rtl="0" eaLnBrk="1" latinLnBrk="0" hangingPunct="1">
+              <a:spcBef>
+                <a:spcPct val="20000"/>
+              </a:spcBef>
+              <a:buClr>
+                <a:schemeClr val="accent1">
+                  <a:lumMod val="60000"/>
+                  <a:lumOff val="40000"/>
+                </a:schemeClr>
+              </a:buClr>
+              <a:buSzPct val="90000"/>
+              <a:buFont typeface="Wingdings" pitchFamily="2" charset="2"/>
+              <a:buChar char=""/>
+              <a:defRPr lang="en-US" sz="1800" kern="1200" dirty="0" smtClean="0">
+                <a:solidFill>
+                  <a:schemeClr val="tx1">
+                    <a:lumMod val="65000"/>
+                    <a:lumOff val="35000"/>
+                  </a:schemeClr>
+                </a:solidFill>
+                <a:latin typeface="+mn-lt"/>
+                <a:ea typeface="+mn-ea"/>
+                <a:cs typeface="+mn-cs"/>
+              </a:defRPr>
+            </a:lvl6pPr>
+            <a:lvl7pPr marL="2398713" indent="-344488" algn="l" defTabSz="914400" rtl="0" eaLnBrk="1" latinLnBrk="0" hangingPunct="1">
+              <a:spcBef>
+                <a:spcPct val="20000"/>
+              </a:spcBef>
+              <a:buClr>
+                <a:schemeClr val="accent1"/>
+              </a:buClr>
+              <a:buSzPct val="90000"/>
+              <a:buFont typeface="Wingdings" pitchFamily="2" charset="2"/>
+              <a:buChar char=""/>
+              <a:defRPr lang="en-US" sz="1800" kern="1200" dirty="0" smtClean="0">
+                <a:solidFill>
+                  <a:schemeClr val="tx1">
+                    <a:lumMod val="65000"/>
+                    <a:lumOff val="35000"/>
+                  </a:schemeClr>
+                </a:solidFill>
+                <a:latin typeface="+mn-lt"/>
+                <a:ea typeface="+mn-ea"/>
+                <a:cs typeface="+mn-cs"/>
+              </a:defRPr>
+            </a:lvl7pPr>
+            <a:lvl8pPr marL="2743200" indent="-344488" algn="l" defTabSz="914400" rtl="0" eaLnBrk="1" latinLnBrk="0" hangingPunct="1">
+              <a:spcBef>
+                <a:spcPct val="20000"/>
+              </a:spcBef>
+              <a:buClr>
+                <a:schemeClr val="accent1">
+                  <a:lumMod val="60000"/>
+                  <a:lumOff val="40000"/>
+                </a:schemeClr>
+              </a:buClr>
+              <a:buSzPct val="90000"/>
+              <a:buFont typeface="Wingdings" pitchFamily="2" charset="2"/>
+              <a:buChar char=""/>
+              <a:defRPr lang="en-US" sz="1800" kern="1200" dirty="0" smtClean="0">
+                <a:solidFill>
+                  <a:schemeClr val="tx1">
+                    <a:lumMod val="65000"/>
+                    <a:lumOff val="35000"/>
+                  </a:schemeClr>
+                </a:solidFill>
+                <a:latin typeface="+mn-lt"/>
+                <a:ea typeface="+mn-ea"/>
+                <a:cs typeface="+mn-cs"/>
+              </a:defRPr>
+            </a:lvl8pPr>
+            <a:lvl9pPr marL="3087688" indent="-344488" algn="l" defTabSz="914400" rtl="0" eaLnBrk="1" latinLnBrk="0" hangingPunct="1">
+              <a:spcBef>
+                <a:spcPct val="20000"/>
+              </a:spcBef>
+              <a:buClr>
+                <a:schemeClr val="accent1"/>
+              </a:buClr>
+              <a:buSzPct val="90000"/>
+              <a:buFont typeface="Wingdings" pitchFamily="2" charset="2"/>
+              <a:buChar char=""/>
+              <a:defRPr lang="en-US" sz="1800" kern="1200" dirty="0">
+                <a:solidFill>
+                  <a:schemeClr val="tx1">
+                    <a:lumMod val="65000"/>
+                    <a:lumOff val="35000"/>
+                  </a:schemeClr>
+                </a:solidFill>
+                <a:latin typeface="+mn-lt"/>
+                <a:ea typeface="+mn-ea"/>
+                <a:cs typeface="+mn-cs"/>
+              </a:defRPr>
+            </a:lvl9pPr>
+          </a:lstStyle>
+          <a:p>
+            <a:pPr>
+              <a:buClr>
+                <a:schemeClr val="bg2">
+                  <a:lumMod val="90000"/>
+                </a:schemeClr>
+              </a:buClr>
+            </a:pPr>
+            <a:endParaRPr lang="fr-FR" dirty="0" smtClean="0"/>
+          </a:p>
+          <a:p>
+            <a:pPr>
+              <a:buClr>
+                <a:schemeClr val="bg2">
+                  <a:lumMod val="90000"/>
+                </a:schemeClr>
+              </a:buClr>
+            </a:pPr>
+            <a:r>
+              <a:rPr lang="fr-FR" dirty="0" smtClean="0"/>
+              <a:t>Fonction d’activation optimale : sigmoïde (k=1) </a:t>
+            </a:r>
+          </a:p>
+          <a:p>
+            <a:pPr>
+              <a:buClr>
+                <a:schemeClr val="bg2">
+                  <a:lumMod val="90000"/>
+                </a:schemeClr>
+              </a:buClr>
+            </a:pPr>
+            <a:r>
+              <a:rPr lang="fr-FR" dirty="0" smtClean="0"/>
+              <a:t>Nombre de neurones sur la couche caché : 5-45 (pas d’impacts sur une seule couche)</a:t>
+            </a:r>
+          </a:p>
+          <a:p>
+            <a:pPr>
+              <a:buClr>
+                <a:schemeClr val="bg2">
+                  <a:lumMod val="90000"/>
+                </a:schemeClr>
+              </a:buClr>
+            </a:pPr>
+            <a:r>
+              <a:rPr lang="fr-FR" dirty="0" smtClean="0"/>
+              <a:t>Le pas n’a pas non plus eu d’influence majeure (écart type de moins d’1 %.</a:t>
+            </a:r>
+            <a:endParaRPr lang="fr-FR" dirty="0" smtClean="0"/>
+          </a:p>
+        </p:txBody>
+      </p:sp>
       <p:pic>
         <p:nvPicPr>
-          <p:cNvPr id="2050" name="Picture 2"/>
+          <p:cNvPr id="4098" name="Picture 2"/>
           <p:cNvPicPr>
             <a:picLocks noChangeAspect="1" noChangeArrowheads="1"/>
           </p:cNvPicPr>
@@ -6870,8 +7794,8 @@
         </p:blipFill>
         <p:spPr bwMode="auto">
           <a:xfrm>
-            <a:off x="1450935" y="4364227"/>
-            <a:ext cx="6024822" cy="1247775"/>
+            <a:off x="7142443" y="2517631"/>
+            <a:ext cx="1676400" cy="1323975"/>
           </a:xfrm>
           <a:prstGeom prst="rect">
             <a:avLst/>
@@ -6881,14 +7805,14 @@
             <a:noFill/>
           </a:ln>
           <a:extLst>
-            <a:ext uri="{909E8E84-426E-40dd-AFC4-6F175D3DCCD1}">
+            <a:ext uri="{909E8E84-426E-40DD-AFC4-6F175D3DCCD1}">
               <a14:hiddenFill xmlns:a14="http://schemas.microsoft.com/office/drawing/2010/main">
                 <a:solidFill>
                   <a:schemeClr val="accent1"/>
                 </a:solidFill>
               </a14:hiddenFill>
             </a:ext>
-            <a:ext uri="{91240B29-F687-4f45-9708-019B960494DF}">
+            <a:ext uri="{91240B29-F687-4F45-9708-019B960494DF}">
               <a14:hiddenLine xmlns:a14="http://schemas.microsoft.com/office/drawing/2010/main" w="9525">
                 <a:solidFill>
                   <a:schemeClr val="tx1"/>
@@ -6901,194 +7825,10 @@
           </a:extLst>
         </p:spPr>
       </p:pic>
-      <p:sp>
-        <p:nvSpPr>
-          <p:cNvPr id="6" name="ZoneTexte 5"/>
-          <p:cNvSpPr txBox="1"/>
-          <p:nvPr/>
-        </p:nvSpPr>
-        <p:spPr>
-          <a:xfrm>
-            <a:off x="548523" y="2525236"/>
-            <a:ext cx="8232882" cy="1754326"/>
-          </a:xfrm>
-          <a:prstGeom prst="rect">
-            <a:avLst/>
-          </a:prstGeom>
-          <a:noFill/>
-        </p:spPr>
-        <p:txBody>
-          <a:bodyPr wrap="square" rtlCol="0">
-            <a:spAutoFit/>
-          </a:bodyPr>
-          <a:lstStyle/>
-          <a:p>
-            <a:pPr algn="just"/>
-            <a:r>
-              <a:rPr lang="fr-FR" dirty="0" smtClean="0"/>
-              <a:t>Il existe deux types de livrables en Agile </a:t>
-            </a:r>
-            <a:r>
-              <a:rPr lang="fr-FR" dirty="0" err="1"/>
-              <a:t>U</a:t>
-            </a:r>
-            <a:r>
-              <a:rPr lang="fr-FR" dirty="0" err="1" smtClean="0"/>
-              <a:t>nified</a:t>
-            </a:r>
-            <a:r>
-              <a:rPr lang="fr-FR" dirty="0" smtClean="0"/>
-              <a:t> </a:t>
-            </a:r>
-            <a:r>
-              <a:rPr lang="fr-FR" dirty="0" err="1"/>
-              <a:t>P</a:t>
-            </a:r>
-            <a:r>
-              <a:rPr lang="fr-FR" dirty="0" err="1" smtClean="0"/>
-              <a:t>rocess</a:t>
-            </a:r>
-            <a:r>
-              <a:rPr lang="fr-FR" dirty="0"/>
-              <a:t>.</a:t>
-            </a:r>
-            <a:r>
-              <a:rPr lang="fr-FR" dirty="0" smtClean="0"/>
-              <a:t> </a:t>
-            </a:r>
-          </a:p>
-          <a:p>
-            <a:pPr algn="just"/>
-            <a:r>
-              <a:rPr lang="fr-FR" dirty="0" smtClean="0"/>
-              <a:t>D’une part, le </a:t>
-            </a:r>
-            <a:r>
-              <a:rPr lang="fr-FR" b="1" dirty="0" smtClean="0"/>
-              <a:t>livrable de développement </a:t>
-            </a:r>
-            <a:r>
-              <a:rPr lang="fr-FR" dirty="0" smtClean="0"/>
-              <a:t>dont le but est de permettre de valider les fonctionnalités produites, </a:t>
-            </a:r>
-            <a:r>
-              <a:rPr lang="fr-FR" dirty="0"/>
-              <a:t>i</a:t>
-            </a:r>
-            <a:r>
-              <a:rPr lang="fr-FR" dirty="0" smtClean="0"/>
-              <a:t>l s’agit donc d’un livrable à des fins de test. </a:t>
-            </a:r>
-          </a:p>
-          <a:p>
-            <a:pPr algn="just"/>
-            <a:r>
-              <a:rPr lang="fr-FR" dirty="0" smtClean="0"/>
-              <a:t>D’autre part, le </a:t>
-            </a:r>
-            <a:r>
-              <a:rPr lang="fr-FR" b="1" dirty="0" smtClean="0"/>
-              <a:t>livrable de production </a:t>
-            </a:r>
-            <a:r>
-              <a:rPr lang="fr-FR" dirty="0" smtClean="0"/>
-              <a:t>lors de la mise en production. On peut résumer le cycle de livraison via le schéma suivant : </a:t>
-            </a:r>
-          </a:p>
-        </p:txBody>
-      </p:sp>
-      <p:sp>
-        <p:nvSpPr>
-          <p:cNvPr id="7" name="ZoneTexte 6"/>
-          <p:cNvSpPr txBox="1"/>
-          <p:nvPr/>
-        </p:nvSpPr>
-        <p:spPr>
-          <a:xfrm>
-            <a:off x="5092156" y="5806532"/>
-            <a:ext cx="2156360" cy="261610"/>
-          </a:xfrm>
-          <a:prstGeom prst="rect">
-            <a:avLst/>
-          </a:prstGeom>
-          <a:noFill/>
-        </p:spPr>
-        <p:txBody>
-          <a:bodyPr wrap="none" rtlCol="0">
-            <a:spAutoFit/>
-          </a:bodyPr>
-          <a:lstStyle/>
-          <a:p>
-            <a:r>
-              <a:rPr lang="fr-FR" sz="1100" dirty="0" smtClean="0"/>
-              <a:t>Source : </a:t>
-            </a:r>
-            <a:r>
-              <a:rPr lang="fr-FR" sz="1100" i="1" dirty="0"/>
-              <a:t>http://en.wikipedia.org/</a:t>
-            </a:r>
-          </a:p>
-        </p:txBody>
-      </p:sp>
-      <p:pic>
-        <p:nvPicPr>
-          <p:cNvPr id="9" name="Image 8"/>
-          <p:cNvPicPr>
-            <a:picLocks noChangeAspect="1"/>
-          </p:cNvPicPr>
-          <p:nvPr/>
-        </p:nvPicPr>
-        <p:blipFill rotWithShape="1">
-          <a:blip r:embed="rId3"/>
-          <a:srcRect l="-8270" t="-11785" r="-8270" b="-12219"/>
-          <a:stretch/>
-        </p:blipFill>
-        <p:spPr>
-          <a:xfrm>
-            <a:off x="260601" y="345141"/>
-            <a:ext cx="1454620" cy="723066"/>
-          </a:xfrm>
-          <a:prstGeom prst="rect">
-            <a:avLst/>
-          </a:prstGeom>
-          <a:solidFill>
-            <a:srgbClr val="FFFFFF">
-              <a:shade val="85000"/>
-            </a:srgbClr>
-          </a:solidFill>
-          <a:ln w="76200" cap="sq">
-            <a:solidFill>
-              <a:schemeClr val="bg1"/>
-            </a:solidFill>
-            <a:miter lim="800000"/>
-          </a:ln>
-          <a:effectLst>
-            <a:outerShdw blurRad="50800" dist="38100" dir="16200000" rotWithShape="0">
-              <a:prstClr val="black">
-                <a:alpha val="40000"/>
-              </a:prstClr>
-            </a:outerShdw>
-          </a:effectLst>
-          <a:scene3d>
-            <a:camera prst="orthographicFront">
-              <a:rot lat="0" lon="0" rev="360000"/>
-            </a:camera>
-            <a:lightRig rig="twoPt" dir="t">
-              <a:rot lat="0" lon="0" rev="7200000"/>
-            </a:lightRig>
-          </a:scene3d>
-          <a:sp3d contourW="12700">
-            <a:bevelT w="25400" h="19050"/>
-            <a:contourClr>
-              <a:srgbClr val="969696"/>
-            </a:contourClr>
-          </a:sp3d>
-        </p:spPr>
-      </p:pic>
     </p:spTree>
     <p:extLst>
       <p:ext uri="{BB962C8B-B14F-4D97-AF65-F5344CB8AC3E}">
-        <p14:creationId xmlns:p14="http://schemas.microsoft.com/office/powerpoint/2010/main" val="3035869295"/>
+        <p14:creationId xmlns:p14="http://schemas.microsoft.com/office/powerpoint/2010/main" val="863256739"/>
       </p:ext>
     </p:extLst>
   </p:cSld>
@@ -7098,7 +7838,7 @@
   <p:timing>
     <p:tnLst>
       <p:par>
-        <p:cTn xmlns:p14="http://schemas.microsoft.com/office/powerpoint/2010/main" id="1" dur="indefinite" restart="never" nodeType="tmRoot"/>
+        <p:cTn id="1" dur="indefinite" restart="never" nodeType="tmRoot"/>
       </p:par>
     </p:tnLst>
   </p:timing>
@@ -7132,77 +7872,50 @@
             <p:ph type="title"/>
           </p:nvPr>
         </p:nvSpPr>
-        <p:spPr/>
+        <p:spPr>
+          <a:xfrm>
+            <a:off x="457200" y="345141"/>
+            <a:ext cx="8229600" cy="1421314"/>
+          </a:xfrm>
+        </p:spPr>
         <p:txBody>
           <a:bodyPr/>
           <a:lstStyle/>
           <a:p>
             <a:r>
               <a:rPr lang="fr-FR" dirty="0" smtClean="0"/>
-              <a:t>Aujourd’hui</a:t>
-            </a:r>
-            <a:endParaRPr lang="fr-FR" dirty="0"/>
-          </a:p>
-        </p:txBody>
-      </p:sp>
-      <p:sp>
-        <p:nvSpPr>
-          <p:cNvPr id="3" name="Espace réservé du contenu 2"/>
-          <p:cNvSpPr>
-            <a:spLocks noGrp="1"/>
-          </p:cNvSpPr>
-          <p:nvPr>
-            <p:ph idx="1"/>
-          </p:nvPr>
-        </p:nvSpPr>
-        <p:spPr>
-          <a:xfrm>
-            <a:off x="457200" y="2770094"/>
-            <a:ext cx="8229599" cy="3267169"/>
-          </a:xfrm>
-        </p:spPr>
-        <p:txBody>
-          <a:bodyPr/>
-          <a:lstStyle/>
-          <a:p>
-            <a:pPr>
-              <a:buClr>
-                <a:schemeClr val="bg2">
-                  <a:lumMod val="90000"/>
-                </a:schemeClr>
-              </a:buClr>
-            </a:pPr>
-            <a:r>
-              <a:rPr lang="fr-FR" dirty="0" smtClean="0"/>
-              <a:t>Remplacé en 2012 par la méthode </a:t>
-            </a:r>
-            <a:r>
-              <a:rPr lang="fr-FR" dirty="0" err="1" smtClean="0"/>
-              <a:t>Disciplined</a:t>
-            </a:r>
-            <a:r>
-              <a:rPr lang="fr-FR" dirty="0" smtClean="0"/>
-              <a:t> Agile </a:t>
-            </a:r>
-            <a:r>
-              <a:rPr lang="fr-FR" dirty="0" err="1" smtClean="0"/>
-              <a:t>Delivery</a:t>
-            </a:r>
-            <a:endParaRPr lang="fr-FR" dirty="0" smtClean="0"/>
-          </a:p>
-          <a:p>
-            <a:pPr>
-              <a:buClr>
-                <a:schemeClr val="bg2">
-                  <a:lumMod val="90000"/>
-                </a:schemeClr>
-              </a:buClr>
-            </a:pPr>
-            <a:r>
-              <a:rPr lang="fr-FR" dirty="0" smtClean="0"/>
-              <a:t>Plus d’évolution sur cette méthode</a:t>
-            </a:r>
-            <a:endParaRPr lang="fr-FR" dirty="0"/>
+              <a:t>Benchmarks</a:t>
+            </a:r>
+            <a:r>
+              <a:rPr lang="fr-FR" sz="2800" dirty="0"/>
+              <a:t/>
+            </a:r>
+            <a:br>
+              <a:rPr lang="fr-FR" sz="2800" dirty="0"/>
+            </a:br>
+            <a:r>
+              <a:rPr lang="fr-FR" sz="2800" dirty="0"/>
+              <a:t>Influence du bruit sur la reconnaissance </a:t>
+            </a:r>
+            <a:r>
+              <a:rPr lang="fr-FR" sz="2800" dirty="0" smtClean="0"/>
+              <a:t/>
+            </a:r>
+            <a:br>
+              <a:rPr lang="fr-FR" sz="2800" dirty="0" smtClean="0"/>
+            </a:br>
+            <a:r>
+              <a:rPr lang="fr-FR" sz="2800" dirty="0" smtClean="0"/>
+              <a:t>(</a:t>
+            </a:r>
+            <a:r>
+              <a:rPr lang="fr-FR" sz="2800" dirty="0"/>
+              <a:t>pas = 0.1, précision = 1e-4)</a:t>
+            </a:r>
+            <a:br>
+              <a:rPr lang="fr-FR" sz="2800" dirty="0"/>
+            </a:br>
+            <a:endParaRPr lang="fr-FR" sz="2800" dirty="0"/>
           </a:p>
         </p:txBody>
       </p:sp>
@@ -7214,8 +7927,8 @@
         </p:nvSpPr>
         <p:spPr>
           <a:xfrm>
-            <a:off x="708958" y="6558484"/>
-            <a:ext cx="7508776" cy="184397"/>
+            <a:off x="708957" y="6558484"/>
+            <a:ext cx="7770025" cy="184397"/>
           </a:xfrm>
           <a:prstGeom prst="round2DiagRect">
             <a:avLst/>
@@ -7259,8 +7972,8 @@
         </p:nvSpPr>
         <p:spPr>
           <a:xfrm>
-            <a:off x="708956" y="6558484"/>
-            <a:ext cx="6242561" cy="184397"/>
+            <a:off x="708957" y="6558484"/>
+            <a:ext cx="5473634" cy="184397"/>
           </a:xfrm>
           <a:prstGeom prst="round2DiagRect">
             <a:avLst/>
@@ -7295,7 +8008,7 @@
       </p:sp>
       <p:sp>
         <p:nvSpPr>
-          <p:cNvPr id="6" name="ZoneTexte 5"/>
+          <p:cNvPr id="8" name="ZoneTexte 7"/>
           <p:cNvSpPr txBox="1"/>
           <p:nvPr/>
         </p:nvSpPr>
@@ -7342,63 +8055,160 @@
       </p:sp>
       <p:pic>
         <p:nvPicPr>
-          <p:cNvPr id="9" name="Image 8"/>
+          <p:cNvPr id="1028" name="Picture 4" descr="\\vmware-host\Shared Folders\Spleen\Downloads\Sans titre.png"/>
           <p:cNvPicPr>
-            <a:picLocks noChangeAspect="1"/>
+            <a:picLocks noChangeAspect="1" noChangeArrowheads="1"/>
           </p:cNvPicPr>
           <p:nvPr/>
         </p:nvPicPr>
-        <p:blipFill rotWithShape="1">
-          <a:blip r:embed="rId2"/>
-          <a:srcRect l="-8270" t="-11785" r="-8270" b="-12219"/>
-          <a:stretch/>
+        <p:blipFill>
+          <a:blip r:embed="rId2">
+            <a:clrChange>
+              <a:clrFrom>
+                <a:srgbClr val="FFFFFF"/>
+              </a:clrFrom>
+              <a:clrTo>
+                <a:srgbClr val="FFFFFF">
+                  <a:alpha val="0"/>
+                </a:srgbClr>
+              </a:clrTo>
+            </a:clrChange>
+            <a:extLst>
+              <a:ext uri="{28A0092B-C50C-407E-A947-70E740481C1C}">
+                <a14:useLocalDpi xmlns:a14="http://schemas.microsoft.com/office/drawing/2010/main" val="0"/>
+              </a:ext>
+            </a:extLst>
+          </a:blip>
+          <a:srcRect/>
+          <a:stretch>
+            <a:fillRect/>
+          </a:stretch>
         </p:blipFill>
-        <p:spPr>
-          <a:xfrm>
-            <a:off x="260601" y="345141"/>
-            <a:ext cx="1454620" cy="723066"/>
+        <p:spPr bwMode="auto">
+          <a:xfrm>
+            <a:off x="167977" y="2333626"/>
+            <a:ext cx="8851981" cy="4056783"/>
           </a:xfrm>
           <a:prstGeom prst="rect">
             <a:avLst/>
           </a:prstGeom>
-          <a:solidFill>
-            <a:srgbClr val="FFFFFF">
-              <a:shade val="85000"/>
-            </a:srgbClr>
-          </a:solidFill>
-          <a:ln w="76200" cap="sq">
-            <a:solidFill>
-              <a:schemeClr val="bg1"/>
-            </a:solidFill>
-            <a:miter lim="800000"/>
+          <a:noFill/>
+          <a:extLst>
+            <a:ext uri="{909E8E84-426E-40DD-AFC4-6F175D3DCCD1}">
+              <a14:hiddenFill xmlns:a14="http://schemas.microsoft.com/office/drawing/2010/main">
+                <a:solidFill>
+                  <a:srgbClr val="FFFFFF"/>
+                </a:solidFill>
+              </a14:hiddenFill>
+            </a:ext>
+          </a:extLst>
+        </p:spPr>
+      </p:pic>
+      <p:cxnSp>
+        <p:nvCxnSpPr>
+          <p:cNvPr id="6" name="Connecteur droit avec flèche 5"/>
+          <p:cNvCxnSpPr/>
+          <p:nvPr/>
+        </p:nvCxnSpPr>
+        <p:spPr>
+          <a:xfrm flipH="1">
+            <a:off x="4925292" y="3247160"/>
+            <a:ext cx="893618" cy="571501"/>
+          </a:xfrm>
+          <a:prstGeom prst="straightConnector1">
+            <a:avLst/>
+          </a:prstGeom>
+          <a:ln>
+            <a:tailEnd type="arrow"/>
           </a:ln>
-          <a:effectLst>
-            <a:outerShdw blurRad="50800" dist="38100" dir="16200000" rotWithShape="0">
-              <a:prstClr val="black">
-                <a:alpha val="40000"/>
-              </a:prstClr>
-            </a:outerShdw>
-          </a:effectLst>
-          <a:scene3d>
-            <a:camera prst="orthographicFront">
-              <a:rot lat="0" lon="0" rev="360000"/>
-            </a:camera>
-            <a:lightRig rig="twoPt" dir="t">
-              <a:rot lat="0" lon="0" rev="7200000"/>
-            </a:lightRig>
-          </a:scene3d>
-          <a:sp3d contourW="12700">
-            <a:bevelT w="25400" h="19050"/>
-            <a:contourClr>
-              <a:srgbClr val="969696"/>
-            </a:contourClr>
-          </a:sp3d>
-        </p:spPr>
-      </p:pic>
+        </p:spPr>
+        <p:style>
+          <a:lnRef idx="2">
+            <a:schemeClr val="accent3"/>
+          </a:lnRef>
+          <a:fillRef idx="0">
+            <a:schemeClr val="accent3"/>
+          </a:fillRef>
+          <a:effectRef idx="1">
+            <a:schemeClr val="accent3"/>
+          </a:effectRef>
+          <a:fontRef idx="minor">
+            <a:schemeClr val="tx1"/>
+          </a:fontRef>
+        </p:style>
+      </p:cxnSp>
+      <p:sp>
+        <p:nvSpPr>
+          <p:cNvPr id="9" name="ZoneTexte 8"/>
+          <p:cNvSpPr txBox="1"/>
+          <p:nvPr/>
+        </p:nvSpPr>
+        <p:spPr>
+          <a:xfrm>
+            <a:off x="5818910" y="2621611"/>
+            <a:ext cx="3075708" cy="923330"/>
+          </a:xfrm>
+          <a:prstGeom prst="rect">
+            <a:avLst/>
+          </a:prstGeom>
+          <a:noFill/>
+        </p:spPr>
+        <p:txBody>
+          <a:bodyPr wrap="square" rtlCol="0">
+            <a:spAutoFit/>
+          </a:bodyPr>
+          <a:lstStyle/>
+          <a:p>
+            <a:r>
+              <a:rPr lang="fr-FR" dirty="0" smtClean="0"/>
+              <a:t>Valeur remarquable (38% de bruit et toujours 55% de caractères reconnus)</a:t>
+            </a:r>
+            <a:endParaRPr lang="fr-FR" dirty="0"/>
+          </a:p>
+        </p:txBody>
+      </p:sp>
+      <p:sp>
+        <p:nvSpPr>
+          <p:cNvPr id="11" name="ZoneTexte 10"/>
+          <p:cNvSpPr txBox="1"/>
+          <p:nvPr/>
+        </p:nvSpPr>
+        <p:spPr>
+          <a:xfrm>
+            <a:off x="167976" y="5906270"/>
+            <a:ext cx="3406497" cy="646331"/>
+          </a:xfrm>
+          <a:prstGeom prst="rect">
+            <a:avLst/>
+          </a:prstGeom>
+          <a:noFill/>
+        </p:spPr>
+        <p:txBody>
+          <a:bodyPr wrap="square" rtlCol="0">
+            <a:spAutoFit/>
+          </a:bodyPr>
+          <a:lstStyle/>
+          <a:p>
+            <a:r>
+              <a:rPr lang="fr-FR" sz="1200" dirty="0" smtClean="0"/>
+              <a:t>Tests répétés </a:t>
+            </a:r>
+            <a:r>
+              <a:rPr lang="fr-FR" sz="1200" dirty="0"/>
+              <a:t>un million de </a:t>
+            </a:r>
+            <a:r>
+              <a:rPr lang="fr-FR" sz="1200" dirty="0" smtClean="0"/>
+              <a:t>fois : bruit par échange pseudo-aléatoire de valeurs d’entrées, respectant une loi de répartition uniforme</a:t>
+            </a:r>
+            <a:endParaRPr lang="fr-FR" sz="1200" dirty="0"/>
+          </a:p>
+        </p:txBody>
+      </p:sp>
     </p:spTree>
     <p:extLst>
       <p:ext uri="{BB962C8B-B14F-4D97-AF65-F5344CB8AC3E}">
-        <p14:creationId xmlns:p14="http://schemas.microsoft.com/office/powerpoint/2010/main" val="106812344"/>
+        <p14:creationId xmlns:p14="http://schemas.microsoft.com/office/powerpoint/2010/main" val="3035869295"/>
       </p:ext>
     </p:extLst>
   </p:cSld>
@@ -7408,7 +8218,7 @@
   <p:timing>
     <p:tnLst>
       <p:par>
-        <p:cTn xmlns:p14="http://schemas.microsoft.com/office/powerpoint/2010/main" id="1" dur="indefinite" restart="never" nodeType="tmRoot"/>
+        <p:cTn id="1" dur="indefinite" restart="never" nodeType="tmRoot"/>
       </p:par>
     </p:tnLst>
   </p:timing>
@@ -7434,133 +8244,14 @@
       </p:grpSpPr>
       <p:sp>
         <p:nvSpPr>
-          <p:cNvPr id="2" name="Titre 1"/>
-          <p:cNvSpPr>
-            <a:spLocks noGrp="1"/>
-          </p:cNvSpPr>
-          <p:nvPr>
-            <p:ph type="title"/>
-          </p:nvPr>
-        </p:nvSpPr>
-        <p:spPr/>
-        <p:txBody>
-          <a:bodyPr/>
-          <a:lstStyle/>
-          <a:p>
-            <a:r>
-              <a:rPr lang="fr-FR" dirty="0" smtClean="0"/>
-              <a:t>Conclusion</a:t>
-            </a:r>
-            <a:endParaRPr lang="fr-FR" dirty="0"/>
-          </a:p>
-        </p:txBody>
-      </p:sp>
-      <p:sp>
-        <p:nvSpPr>
-          <p:cNvPr id="3" name="Espace réservé du contenu 2"/>
-          <p:cNvSpPr>
-            <a:spLocks noGrp="1"/>
-          </p:cNvSpPr>
-          <p:nvPr>
-            <p:ph idx="1"/>
-          </p:nvPr>
-        </p:nvSpPr>
-        <p:spPr/>
-        <p:txBody>
-          <a:bodyPr/>
-          <a:lstStyle/>
-          <a:p>
-            <a:r>
-              <a:rPr lang="fr-FR" dirty="0" smtClean="0"/>
-              <a:t>7 étapes</a:t>
-            </a:r>
-          </a:p>
-          <a:p>
-            <a:r>
-              <a:rPr lang="fr-FR" dirty="0" smtClean="0"/>
-              <a:t>Philosophie en 6 points</a:t>
-            </a:r>
-          </a:p>
-          <a:p>
-            <a:r>
-              <a:rPr lang="fr-FR" dirty="0" smtClean="0"/>
-              <a:t>Deux types de livrables</a:t>
-            </a:r>
-          </a:p>
-          <a:p>
-            <a:r>
-              <a:rPr lang="fr-FR" dirty="0" smtClean="0"/>
-              <a:t>Méthode déprécié aujourd’hui, remplacé par le DAD</a:t>
-            </a:r>
-            <a:endParaRPr lang="fr-FR" dirty="0"/>
-          </a:p>
-        </p:txBody>
-      </p:sp>
-      <p:pic>
-        <p:nvPicPr>
-          <p:cNvPr id="4" name="Image 3"/>
-          <p:cNvPicPr>
-            <a:picLocks noChangeAspect="1"/>
-          </p:cNvPicPr>
-          <p:nvPr/>
-        </p:nvPicPr>
-        <p:blipFill rotWithShape="1">
-          <a:blip r:embed="rId2"/>
-          <a:srcRect l="-8270" t="-11785" r="-8270" b="-12219"/>
-          <a:stretch/>
-        </p:blipFill>
-        <p:spPr>
-          <a:xfrm>
-            <a:off x="260601" y="345141"/>
-            <a:ext cx="1454620" cy="723066"/>
-          </a:xfrm>
-          <a:prstGeom prst="rect">
-            <a:avLst/>
-          </a:prstGeom>
-          <a:solidFill>
-            <a:srgbClr val="FFFFFF">
-              <a:shade val="85000"/>
-            </a:srgbClr>
-          </a:solidFill>
-          <a:ln w="76200" cap="sq">
-            <a:solidFill>
-              <a:schemeClr val="bg1"/>
-            </a:solidFill>
-            <a:miter lim="800000"/>
-          </a:ln>
-          <a:effectLst>
-            <a:outerShdw blurRad="50800" dist="38100" dir="16200000" rotWithShape="0">
-              <a:prstClr val="black">
-                <a:alpha val="40000"/>
-              </a:prstClr>
-            </a:outerShdw>
-          </a:effectLst>
-          <a:scene3d>
-            <a:camera prst="orthographicFront">
-              <a:rot lat="0" lon="0" rev="360000"/>
-            </a:camera>
-            <a:lightRig rig="twoPt" dir="t">
-              <a:rot lat="0" lon="0" rev="7200000"/>
-            </a:lightRig>
-          </a:scene3d>
-          <a:sp3d contourW="12700">
-            <a:bevelT w="25400" h="19050"/>
-            <a:contourClr>
-              <a:srgbClr val="969696"/>
-            </a:contourClr>
-          </a:sp3d>
-        </p:spPr>
-      </p:pic>
-      <p:sp>
-        <p:nvSpPr>
-          <p:cNvPr id="5" name="Arrondir un rectangle avec un coin diagonal 4"/>
+          <p:cNvPr id="4" name="Arrondir un rectangle avec un coin diagonal 3"/>
           <p:cNvSpPr/>
           <p:nvPr/>
         </p:nvSpPr>
         <p:spPr>
           <a:xfrm>
-            <a:off x="708958" y="6558484"/>
-            <a:ext cx="7508776" cy="184397"/>
+            <a:off x="708957" y="6558484"/>
+            <a:ext cx="7770025" cy="184397"/>
           </a:xfrm>
           <a:prstGeom prst="round2DiagRect">
             <a:avLst/>
@@ -7598,14 +8289,14 @@
       </p:sp>
       <p:sp>
         <p:nvSpPr>
-          <p:cNvPr id="6" name="Arrondir un rectangle avec un coin diagonal 5"/>
+          <p:cNvPr id="5" name="Arrondir un rectangle avec un coin diagonal 4"/>
           <p:cNvSpPr/>
           <p:nvPr/>
         </p:nvSpPr>
         <p:spPr>
           <a:xfrm>
-            <a:off x="708957" y="6558484"/>
-            <a:ext cx="7508777" cy="184397"/>
+            <a:off x="708956" y="6558484"/>
+            <a:ext cx="6377643" cy="184397"/>
           </a:xfrm>
           <a:prstGeom prst="round2DiagRect">
             <a:avLst/>
@@ -7640,7 +8331,7 @@
       </p:sp>
       <p:sp>
         <p:nvSpPr>
-          <p:cNvPr id="7" name="ZoneTexte 6"/>
+          <p:cNvPr id="8" name="ZoneTexte 7"/>
           <p:cNvSpPr txBox="1"/>
           <p:nvPr/>
         </p:nvSpPr>
@@ -7685,10 +8376,499 @@
           </a:p>
         </p:txBody>
       </p:sp>
+      <p:sp>
+        <p:nvSpPr>
+          <p:cNvPr id="12" name="Titre 1"/>
+          <p:cNvSpPr>
+            <a:spLocks noGrp="1"/>
+          </p:cNvSpPr>
+          <p:nvPr>
+            <p:ph type="title"/>
+          </p:nvPr>
+        </p:nvSpPr>
+        <p:spPr>
+          <a:xfrm>
+            <a:off x="457200" y="345141"/>
+            <a:ext cx="8229600" cy="1421314"/>
+          </a:xfrm>
+        </p:spPr>
+        <p:txBody>
+          <a:bodyPr/>
+          <a:lstStyle/>
+          <a:p>
+            <a:r>
+              <a:rPr lang="fr-FR" dirty="0"/>
+              <a:t>Benchmarks</a:t>
+            </a:r>
+            <a:r>
+              <a:rPr lang="fr-FR" sz="2800" dirty="0"/>
+              <a:t/>
+            </a:r>
+            <a:br>
+              <a:rPr lang="fr-FR" sz="2800" dirty="0"/>
+            </a:br>
+            <a:r>
+              <a:rPr lang="fr-FR" sz="2800" dirty="0"/>
+              <a:t>Influence de la précision sur la reconnaissance (pas = 0.1, bruit léger = 20</a:t>
+            </a:r>
+            <a:r>
+              <a:rPr lang="fr-FR" sz="2800" dirty="0" smtClean="0"/>
+              <a:t>%)</a:t>
+            </a:r>
+            <a:r>
+              <a:rPr lang="fr-FR" sz="2800" dirty="0"/>
+              <a:t/>
+            </a:r>
+            <a:br>
+              <a:rPr lang="fr-FR" sz="2800" dirty="0"/>
+            </a:br>
+            <a:endParaRPr lang="fr-FR" sz="2800" dirty="0"/>
+          </a:p>
+        </p:txBody>
+      </p:sp>
+      <p:pic>
+        <p:nvPicPr>
+          <p:cNvPr id="2050" name="Picture 2" descr="\\vmware-host\Shared Folders\Spleen\Downloads\Sans titre.png"/>
+          <p:cNvPicPr>
+            <a:picLocks noChangeAspect="1" noChangeArrowheads="1"/>
+          </p:cNvPicPr>
+          <p:nvPr/>
+        </p:nvPicPr>
+        <p:blipFill>
+          <a:blip r:embed="rId2">
+            <a:clrChange>
+              <a:clrFrom>
+                <a:srgbClr val="FFFFFF"/>
+              </a:clrFrom>
+              <a:clrTo>
+                <a:srgbClr val="FFFFFF">
+                  <a:alpha val="0"/>
+                </a:srgbClr>
+              </a:clrTo>
+            </a:clrChange>
+            <a:extLst>
+              <a:ext uri="{28A0092B-C50C-407E-A947-70E740481C1C}">
+                <a14:useLocalDpi xmlns:a14="http://schemas.microsoft.com/office/drawing/2010/main" val="0"/>
+              </a:ext>
+            </a:extLst>
+          </a:blip>
+          <a:srcRect/>
+          <a:stretch>
+            <a:fillRect/>
+          </a:stretch>
+        </p:blipFill>
+        <p:spPr bwMode="auto">
+          <a:xfrm>
+            <a:off x="173759" y="2435036"/>
+            <a:ext cx="8840420" cy="4046682"/>
+          </a:xfrm>
+          <a:prstGeom prst="rect">
+            <a:avLst/>
+          </a:prstGeom>
+          <a:noFill/>
+          <a:extLst>
+            <a:ext uri="{909E8E84-426E-40DD-AFC4-6F175D3DCCD1}">
+              <a14:hiddenFill xmlns:a14="http://schemas.microsoft.com/office/drawing/2010/main">
+                <a:solidFill>
+                  <a:srgbClr val="FFFFFF"/>
+                </a:solidFill>
+              </a14:hiddenFill>
+            </a:ext>
+          </a:extLst>
+        </p:spPr>
+      </p:pic>
+    </p:spTree>
+    <p:extLst>
+      <p:ext uri="{BB962C8B-B14F-4D97-AF65-F5344CB8AC3E}">
+        <p14:creationId xmlns:p14="http://schemas.microsoft.com/office/powerpoint/2010/main" val="2761093366"/>
+      </p:ext>
+    </p:extLst>
+  </p:cSld>
+  <p:clrMapOvr>
+    <a:masterClrMapping/>
+  </p:clrMapOvr>
+  <p:timing>
+    <p:tnLst>
+      <p:par>
+        <p:cTn id="1" dur="indefinite" restart="never" nodeType="tmRoot"/>
+      </p:par>
+    </p:tnLst>
+  </p:timing>
+</p:sld>
+</file>
+
+<file path=ppt/slides/slide8.xml><?xml version="1.0" encoding="utf-8"?>
+<p:sld xmlns:a="http://schemas.openxmlformats.org/drawingml/2006/main" xmlns:r="http://schemas.openxmlformats.org/officeDocument/2006/relationships" xmlns:p="http://schemas.openxmlformats.org/presentationml/2006/main">
+  <p:cSld>
+    <p:spTree>
+      <p:nvGrpSpPr>
+        <p:cNvPr id="1" name=""/>
+        <p:cNvGrpSpPr/>
+        <p:nvPr/>
+      </p:nvGrpSpPr>
+      <p:grpSpPr>
+        <a:xfrm>
+          <a:off x="0" y="0"/>
+          <a:ext cx="0" cy="0"/>
+          <a:chOff x="0" y="0"/>
+          <a:chExt cx="0" cy="0"/>
+        </a:xfrm>
+      </p:grpSpPr>
+      <p:sp>
+        <p:nvSpPr>
+          <p:cNvPr id="2" name="Titre 1"/>
+          <p:cNvSpPr>
+            <a:spLocks noGrp="1"/>
+          </p:cNvSpPr>
+          <p:nvPr>
+            <p:ph type="title"/>
+          </p:nvPr>
+        </p:nvSpPr>
+        <p:spPr/>
+        <p:txBody>
+          <a:bodyPr/>
+          <a:lstStyle/>
+          <a:p>
+            <a:r>
+              <a:rPr lang="fr-FR" dirty="0" smtClean="0"/>
+              <a:t>Conclusion</a:t>
+            </a:r>
+            <a:endParaRPr lang="fr-FR" dirty="0"/>
+          </a:p>
+        </p:txBody>
+      </p:sp>
+      <p:sp>
+        <p:nvSpPr>
+          <p:cNvPr id="3" name="Espace réservé du contenu 2"/>
+          <p:cNvSpPr>
+            <a:spLocks noGrp="1"/>
+          </p:cNvSpPr>
+          <p:nvPr>
+            <p:ph idx="1"/>
+          </p:nvPr>
+        </p:nvSpPr>
+        <p:spPr/>
+        <p:txBody>
+          <a:bodyPr/>
+          <a:lstStyle/>
+          <a:p>
+            <a:pPr>
+              <a:buClr>
+                <a:schemeClr val="bg2">
+                  <a:lumMod val="90000"/>
+                </a:schemeClr>
+              </a:buClr>
+            </a:pPr>
+            <a:r>
+              <a:rPr lang="fr-FR" dirty="0" smtClean="0"/>
+              <a:t>Taux d’efficacité satisfaisant sur les chiffres même très bruités (env. </a:t>
+            </a:r>
+            <a:r>
+              <a:rPr lang="fr-FR" smtClean="0"/>
+              <a:t>40%)</a:t>
+            </a:r>
+            <a:endParaRPr lang="fr-FR" dirty="0" smtClean="0"/>
+          </a:p>
+          <a:p>
+            <a:pPr>
+              <a:buClr>
+                <a:schemeClr val="bg2">
+                  <a:lumMod val="90000"/>
+                </a:schemeClr>
+              </a:buClr>
+            </a:pPr>
+            <a:r>
+              <a:rPr lang="fr-FR" dirty="0" smtClean="0"/>
+              <a:t>Différents axes à explorer :</a:t>
+            </a:r>
+          </a:p>
+          <a:p>
+            <a:pPr lvl="1">
+              <a:buClr>
+                <a:schemeClr val="bg2"/>
+              </a:buClr>
+            </a:pPr>
+            <a:r>
+              <a:rPr lang="fr-FR" dirty="0" smtClean="0"/>
+              <a:t>Traitement d’une image en entrée (cadrage, normalisation)</a:t>
+            </a:r>
+          </a:p>
+          <a:p>
+            <a:pPr lvl="1">
+              <a:buClr>
+                <a:schemeClr val="bg2"/>
+              </a:buClr>
+            </a:pPr>
+            <a:r>
+              <a:rPr lang="fr-FR" dirty="0" smtClean="0"/>
+              <a:t>Plus de caractères reconnues, alphanumériques par exemple</a:t>
+            </a:r>
+          </a:p>
+          <a:p>
+            <a:pPr lvl="1">
+              <a:buClr>
+                <a:schemeClr val="bg2"/>
+              </a:buClr>
+            </a:pPr>
+            <a:r>
+              <a:rPr lang="fr-FR" dirty="0"/>
+              <a:t>Écriture manuscrite prise en compte (beaucoup plus retord</a:t>
+            </a:r>
+            <a:r>
+              <a:rPr lang="fr-FR" dirty="0" smtClean="0"/>
+              <a:t>)</a:t>
+            </a:r>
+            <a:endParaRPr lang="fr-FR" dirty="0"/>
+          </a:p>
+          <a:p>
+            <a:endParaRPr lang="fr-FR" dirty="0"/>
+          </a:p>
+        </p:txBody>
+      </p:sp>
+      <p:sp>
+        <p:nvSpPr>
+          <p:cNvPr id="5" name="Arrondir un rectangle avec un coin diagonal 4"/>
+          <p:cNvSpPr/>
+          <p:nvPr/>
+        </p:nvSpPr>
+        <p:spPr>
+          <a:xfrm>
+            <a:off x="708958" y="6558484"/>
+            <a:ext cx="7508776" cy="184397"/>
+          </a:xfrm>
+          <a:prstGeom prst="round2DiagRect">
+            <a:avLst/>
+          </a:prstGeom>
+          <a:solidFill>
+            <a:srgbClr val="0A3363"/>
+          </a:solidFill>
+        </p:spPr>
+        <p:style>
+          <a:lnRef idx="0">
+            <a:schemeClr val="accent3"/>
+          </a:lnRef>
+          <a:fillRef idx="3">
+            <a:schemeClr val="accent3"/>
+          </a:fillRef>
+          <a:effectRef idx="3">
+            <a:schemeClr val="accent3"/>
+          </a:effectRef>
+          <a:fontRef idx="minor">
+            <a:schemeClr val="lt1"/>
+          </a:fontRef>
+        </p:style>
+        <p:txBody>
+          <a:bodyPr rtlCol="0" anchor="ctr"/>
+          <a:lstStyle/>
+          <a:p>
+            <a:pPr algn="ctr">
+              <a:lnSpc>
+                <a:spcPct val="70000"/>
+              </a:lnSpc>
+            </a:pPr>
+            <a:endParaRPr lang="fr-FR" sz="1400" dirty="0"/>
+          </a:p>
+        </p:txBody>
+      </p:sp>
+      <p:sp>
+        <p:nvSpPr>
+          <p:cNvPr id="6" name="Arrondir un rectangle avec un coin diagonal 5"/>
+          <p:cNvSpPr/>
+          <p:nvPr/>
+        </p:nvSpPr>
+        <p:spPr>
+          <a:xfrm>
+            <a:off x="708957" y="6558484"/>
+            <a:ext cx="7508777" cy="184397"/>
+          </a:xfrm>
+          <a:prstGeom prst="round2DiagRect">
+            <a:avLst/>
+          </a:prstGeom>
+        </p:spPr>
+        <p:style>
+          <a:lnRef idx="0">
+            <a:schemeClr val="accent3"/>
+          </a:lnRef>
+          <a:fillRef idx="3">
+            <a:schemeClr val="accent3"/>
+          </a:fillRef>
+          <a:effectRef idx="3">
+            <a:schemeClr val="accent3"/>
+          </a:effectRef>
+          <a:fontRef idx="minor">
+            <a:schemeClr val="lt1"/>
+          </a:fontRef>
+        </p:style>
+        <p:txBody>
+          <a:bodyPr rtlCol="0" anchor="ctr"/>
+          <a:lstStyle/>
+          <a:p>
+            <a:pPr algn="ctr">
+              <a:lnSpc>
+                <a:spcPct val="70000"/>
+              </a:lnSpc>
+            </a:pPr>
+            <a:endParaRPr lang="fr-FR" sz="1400" dirty="0"/>
+          </a:p>
+        </p:txBody>
+      </p:sp>
+      <p:sp>
+        <p:nvSpPr>
+          <p:cNvPr id="7" name="ZoneTexte 6"/>
+          <p:cNvSpPr txBox="1"/>
+          <p:nvPr/>
+        </p:nvSpPr>
+        <p:spPr>
+          <a:xfrm>
+            <a:off x="3661914" y="6481718"/>
+            <a:ext cx="1430243" cy="307777"/>
+          </a:xfrm>
+          <a:prstGeom prst="rect">
+            <a:avLst/>
+          </a:prstGeom>
+          <a:noFill/>
+        </p:spPr>
+        <p:txBody>
+          <a:bodyPr wrap="square" rtlCol="0">
+            <a:spAutoFit/>
+          </a:bodyPr>
+          <a:lstStyle/>
+          <a:p>
+            <a:pPr algn="ctr"/>
+            <a:r>
+              <a:rPr lang="fr-FR" sz="1400" dirty="0" smtClean="0">
+                <a:ln w="18415" cmpd="sng">
+                  <a:solidFill>
+                    <a:srgbClr val="FFFFFF"/>
+                  </a:solidFill>
+                  <a:prstDash val="solid"/>
+                </a:ln>
+                <a:solidFill>
+                  <a:srgbClr val="FFFFFF"/>
+                </a:solidFill>
+                <a:effectLst>
+                  <a:outerShdw blurRad="63500" dir="3600000" algn="tl" rotWithShape="0">
+                    <a:srgbClr val="000000">
+                      <a:alpha val="70000"/>
+                    </a:srgbClr>
+                  </a:outerShdw>
+                </a:effectLst>
+              </a:rPr>
+              <a:t>Avancement</a:t>
+            </a:r>
+          </a:p>
+        </p:txBody>
+      </p:sp>
     </p:spTree>
     <p:extLst>
       <p:ext uri="{BB962C8B-B14F-4D97-AF65-F5344CB8AC3E}">
         <p14:creationId xmlns:p14="http://schemas.microsoft.com/office/powerpoint/2010/main" val="415952687"/>
+      </p:ext>
+    </p:extLst>
+  </p:cSld>
+  <p:clrMapOvr>
+    <a:masterClrMapping/>
+  </p:clrMapOvr>
+  <p:timing>
+    <p:tnLst>
+      <p:par>
+        <p:cTn id="1" dur="indefinite" restart="never" nodeType="tmRoot"/>
+      </p:par>
+    </p:tnLst>
+  </p:timing>
+</p:sld>
+</file>
+
+<file path=ppt/slides/slide9.xml><?xml version="1.0" encoding="utf-8"?>
+<p:sld xmlns:a="http://schemas.openxmlformats.org/drawingml/2006/main" xmlns:r="http://schemas.openxmlformats.org/officeDocument/2006/relationships" xmlns:p="http://schemas.openxmlformats.org/presentationml/2006/main">
+  <p:cSld>
+    <p:spTree>
+      <p:nvGrpSpPr>
+        <p:cNvPr id="1" name=""/>
+        <p:cNvGrpSpPr/>
+        <p:nvPr/>
+      </p:nvGrpSpPr>
+      <p:grpSpPr>
+        <a:xfrm>
+          <a:off x="0" y="0"/>
+          <a:ext cx="0" cy="0"/>
+          <a:chOff x="0" y="0"/>
+          <a:chExt cx="0" cy="0"/>
+        </a:xfrm>
+      </p:grpSpPr>
+      <p:sp>
+        <p:nvSpPr>
+          <p:cNvPr id="2" name="Titre 1"/>
+          <p:cNvSpPr>
+            <a:spLocks noGrp="1"/>
+          </p:cNvSpPr>
+          <p:nvPr>
+            <p:ph type="title"/>
+          </p:nvPr>
+        </p:nvSpPr>
+        <p:spPr/>
+        <p:txBody>
+          <a:bodyPr/>
+          <a:lstStyle/>
+          <a:p>
+            <a:r>
+              <a:rPr lang="fr-FR" dirty="0" smtClean="0"/>
+              <a:t>Démonstration</a:t>
+            </a:r>
+            <a:endParaRPr lang="fr-FR" dirty="0"/>
+          </a:p>
+        </p:txBody>
+      </p:sp>
+      <p:sp>
+        <p:nvSpPr>
+          <p:cNvPr id="4" name="Espace réservé du contenu 2"/>
+          <p:cNvSpPr>
+            <a:spLocks noGrp="1"/>
+          </p:cNvSpPr>
+          <p:nvPr>
+            <p:ph idx="1"/>
+          </p:nvPr>
+        </p:nvSpPr>
+        <p:spPr>
+          <a:xfrm>
+            <a:off x="739775" y="2770094"/>
+            <a:ext cx="7662864" cy="3267169"/>
+          </a:xfrm>
+        </p:spPr>
+        <p:txBody>
+          <a:bodyPr>
+            <a:normAutofit/>
+          </a:bodyPr>
+          <a:lstStyle/>
+          <a:p>
+            <a:pPr marL="0" indent="0" algn="ctr">
+              <a:buClr>
+                <a:schemeClr val="bg2">
+                  <a:lumMod val="90000"/>
+                </a:schemeClr>
+              </a:buClr>
+              <a:buNone/>
+            </a:pPr>
+            <a:r>
+              <a:rPr lang="fr-FR" sz="4000" dirty="0" smtClean="0"/>
+              <a:t>Tous, à vos </a:t>
+            </a:r>
+            <a:r>
+              <a:rPr lang="fr-FR" sz="4000" dirty="0" err="1" smtClean="0"/>
+              <a:t>shells</a:t>
+            </a:r>
+            <a:r>
+              <a:rPr lang="fr-FR" sz="4000" dirty="0" smtClean="0"/>
+              <a:t> !</a:t>
+            </a:r>
+            <a:endParaRPr lang="fr-FR" sz="4000" dirty="0"/>
+          </a:p>
+        </p:txBody>
+      </p:sp>
+    </p:spTree>
+    <p:extLst>
+      <p:ext uri="{BB962C8B-B14F-4D97-AF65-F5344CB8AC3E}">
+        <p14:creationId xmlns:p14="http://schemas.microsoft.com/office/powerpoint/2010/main" val="4194602909"/>
       </p:ext>
     </p:extLst>
   </p:cSld>

--- a/docs/Présentation Reconnaissance de caractères.pptx
+++ b/docs/Présentation Reconnaissance de caractères.pptx
@@ -5650,15 +5650,7 @@
             </a:pPr>
             <a:r>
               <a:rPr lang="fr-FR" dirty="0" smtClean="0"/>
-              <a:t>Implémentation d’un moteur de reconnaissance de caractères </a:t>
-            </a:r>
-            <a:r>
-              <a:rPr lang="fr-FR" dirty="0" smtClean="0"/>
-              <a:t>(OCR) via </a:t>
-            </a:r>
-            <a:r>
-              <a:rPr lang="fr-FR" dirty="0" smtClean="0"/>
-              <a:t>un réseau de neurones.</a:t>
+              <a:t>Implémentation d’un moteur de reconnaissance de caractères (OCR) via un réseau de neurones.</a:t>
             </a:r>
           </a:p>
           <a:p>
@@ -5671,13 +5663,8 @@
             </a:pPr>
             <a:r>
               <a:rPr lang="fr-FR" dirty="0" smtClean="0"/>
-              <a:t>Ce réseau doit reconnaître des </a:t>
-            </a:r>
-            <a:r>
-              <a:rPr lang="fr-FR" dirty="0" smtClean="0"/>
-              <a:t>chiffres (matrices normalisées)</a:t>
-            </a:r>
-            <a:endParaRPr lang="fr-FR" dirty="0" smtClean="0"/>
+              <a:t>Ce réseau doit reconnaître des chiffres (matrices normalisées)</a:t>
+            </a:r>
           </a:p>
           <a:p>
             <a:pPr>
@@ -6279,11 +6266,7 @@
             </a:pPr>
             <a:r>
               <a:rPr lang="fr-FR" dirty="0" smtClean="0"/>
-              <a:t>Reprise d’un </a:t>
-            </a:r>
-            <a:r>
-              <a:rPr lang="fr-FR" dirty="0" smtClean="0"/>
-              <a:t>classifieur linéaire déjà implémenté pendant le semestre précédent à ajuster </a:t>
+              <a:t>Reprise d’un classifieur linéaire déjà implémenté pendant le semestre précédent à ajuster </a:t>
             </a:r>
           </a:p>
           <a:p>
@@ -6330,19 +6313,7 @@
             </a:pPr>
             <a:r>
               <a:rPr lang="fr-FR" dirty="0" smtClean="0"/>
-              <a:t>Approche théorique et réalisation </a:t>
-            </a:r>
-            <a:r>
-              <a:rPr lang="fr-FR" dirty="0" smtClean="0"/>
-              <a:t>mieux</a:t>
-            </a:r>
-            <a:r>
-              <a:rPr lang="fr-FR" dirty="0" smtClean="0"/>
-              <a:t> maîtrisée </a:t>
-            </a:r>
-            <a:r>
-              <a:rPr lang="fr-FR" dirty="0" smtClean="0"/>
-              <a:t>qu’un réseau de </a:t>
+              <a:t>Approche théorique et réalisation mieux maîtrisée qu’un réseau de </a:t>
             </a:r>
             <a:r>
               <a:rPr lang="fr-FR" dirty="0" err="1" smtClean="0"/>
@@ -7342,11 +7313,7 @@
           <a:p>
             <a:r>
               <a:rPr lang="fr-FR" dirty="0" smtClean="0"/>
-              <a:t>En p</a:t>
-            </a:r>
-            <a:r>
-              <a:rPr lang="fr-FR" dirty="0" smtClean="0"/>
-              <a:t>ratique</a:t>
+              <a:t>En pratique</a:t>
             </a:r>
             <a:endParaRPr lang="fr-FR" dirty="0"/>
           </a:p>
@@ -7505,7 +7472,7 @@
         </p:spPr>
         <p:txBody>
           <a:bodyPr vert="horz" lIns="91440" tIns="45720" rIns="91440" bIns="45720" rtlCol="0">
-            <a:normAutofit/>
+            <a:normAutofit fontScale="92500" lnSpcReduction="20000"/>
           </a:bodyPr>
           <a:lstStyle>
             <a:lvl1pPr marL="342900" indent="-342900" algn="l" defTabSz="914400" rtl="0" eaLnBrk="1" latinLnBrk="0" hangingPunct="1">
@@ -7765,7 +7732,32 @@
             </a:pPr>
             <a:r>
               <a:rPr lang="fr-FR" dirty="0" smtClean="0"/>
-              <a:t>Le pas n’a pas non plus eu d’influence majeure (écart type de moins d’1 %.</a:t>
+              <a:t>Le pas n’a pas non plus eu d’influence majeure (écart type de moins d’1 </a:t>
+            </a:r>
+            <a:r>
+              <a:rPr lang="fr-FR" dirty="0" smtClean="0"/>
+              <a:t>%.</a:t>
+            </a:r>
+          </a:p>
+          <a:p>
+            <a:pPr>
+              <a:buClr>
+                <a:schemeClr val="bg2">
+                  <a:lumMod val="90000"/>
+                </a:schemeClr>
+              </a:buClr>
+            </a:pPr>
+            <a:r>
+              <a:rPr lang="fr-FR" dirty="0" smtClean="0"/>
+              <a:t>Nécessité de lui faire « </a:t>
+            </a:r>
+            <a:r>
+              <a:rPr lang="fr-FR" dirty="0" err="1" smtClean="0"/>
+              <a:t>ré-apprendre</a:t>
+            </a:r>
+            <a:r>
+              <a:rPr lang="fr-FR" dirty="0" smtClean="0"/>
+              <a:t> » les caractères plusieurs fois (oubli de ce qui est juste)</a:t>
             </a:r>
             <a:endParaRPr lang="fr-FR" dirty="0" smtClean="0"/>
           </a:p>
@@ -7794,8 +7786,8 @@
         </p:blipFill>
         <p:spPr bwMode="auto">
           <a:xfrm>
-            <a:off x="7142443" y="2517631"/>
-            <a:ext cx="1676400" cy="1323975"/>
+            <a:off x="6716416" y="2770093"/>
+            <a:ext cx="1093597" cy="863693"/>
           </a:xfrm>
           <a:prstGeom prst="rect">
             <a:avLst/>

--- a/docs/Présentation Reconnaissance de caractères.pptx
+++ b/docs/Présentation Reconnaissance de caractères.pptx
@@ -6473,7 +6473,7 @@
           <a:p>
             <a:r>
               <a:rPr lang="fr-FR" dirty="0" smtClean="0"/>
-              <a:t>Principe général</a:t>
+              <a:t>Principe</a:t>
             </a:r>
             <a:endParaRPr lang="fr-FR" dirty="0"/>
           </a:p>
@@ -6916,8 +6916,21 @@
             </a:r>
             <a:r>
               <a:rPr lang="fr-FR" sz="1400" dirty="0" smtClean="0"/>
-              <a:t>Pourcentage de certitude sur le caractère reconnu</a:t>
-            </a:r>
+              <a:t>Pourcentage de certitude sur le caractère </a:t>
+            </a:r>
+            <a:r>
+              <a:rPr lang="fr-FR" sz="1400" dirty="0" smtClean="0"/>
+              <a:t>reconnu </a:t>
+            </a:r>
+            <a:r>
+              <a:rPr lang="fr-FR" sz="1400" dirty="0"/>
+              <a:t>[</a:t>
+            </a:r>
+            <a:r>
+              <a:rPr lang="fr-FR" sz="1400" dirty="0" smtClean="0"/>
+              <a:t>0-1]</a:t>
+            </a:r>
+            <a:endParaRPr lang="fr-FR" sz="1400" dirty="0" smtClean="0"/>
           </a:p>
         </p:txBody>
       </p:sp>
@@ -8541,7 +8554,9 @@
         </p:nvSpPr>
         <p:spPr/>
         <p:txBody>
-          <a:bodyPr/>
+          <a:bodyPr>
+            <a:normAutofit fontScale="92500"/>
+          </a:bodyPr>
           <a:lstStyle/>
           <a:p>
             <a:pPr>
@@ -8553,13 +8568,33 @@
             </a:pPr>
             <a:r>
               <a:rPr lang="fr-FR" dirty="0" smtClean="0"/>
-              <a:t>Taux d’efficacité satisfaisant sur les chiffres même très bruités (env. </a:t>
-            </a:r>
-            <a:r>
-              <a:rPr lang="fr-FR" smtClean="0"/>
-              <a:t>40%)</a:t>
-            </a:r>
-            <a:endParaRPr lang="fr-FR" dirty="0" smtClean="0"/>
+              <a:t>Coût mémoire plus important qu’un </a:t>
+            </a:r>
+            <a:r>
+              <a:rPr lang="fr-FR" dirty="0" err="1" smtClean="0"/>
+              <a:t>Hopfield</a:t>
+            </a:r>
+            <a:r>
+              <a:rPr lang="fr-FR" dirty="0" smtClean="0"/>
+              <a:t> mais efficacité identique</a:t>
+            </a:r>
+          </a:p>
+          <a:p>
+            <a:pPr>
+              <a:buClr>
+                <a:schemeClr val="bg2">
+                  <a:lumMod val="90000"/>
+                </a:schemeClr>
+              </a:buClr>
+            </a:pPr>
+            <a:r>
+              <a:rPr lang="fr-FR" dirty="0" smtClean="0"/>
+              <a:t>Taux </a:t>
+            </a:r>
+            <a:r>
+              <a:rPr lang="fr-FR" dirty="0" smtClean="0"/>
+              <a:t>d’efficacité satisfaisant sur les chiffres même très bruités (env. 40%)</a:t>
+            </a:r>
           </a:p>
           <a:p>
             <a:pPr>

--- a/docs/Présentation Reconnaissance de caractères.pptx
+++ b/docs/Présentation Reconnaissance de caractères.pptx
@@ -311,7 +311,7 @@
           <a:p>
             <a:fld id="{C7AC68C2-BA71-0143-8B78-FE74981DC06A}" type="datetimeFigureOut">
               <a:rPr lang="fr-FR" smtClean="0"/>
-              <a:t>30/06/2014</a:t>
+              <a:t>03/07/2014</a:t>
             </a:fld>
             <a:endParaRPr lang="fr-FR"/>
           </a:p>
@@ -353,7 +353,7 @@
           <a:p>
             <a:fld id="{AE73DD88-C704-8E4D-ACBF-616915A20F97}" type="slidenum">
               <a:rPr lang="fr-FR" smtClean="0"/>
-              <a:t>‹N°›</a:t>
+              <a:t>‹#›</a:t>
             </a:fld>
             <a:endParaRPr lang="fr-FR"/>
           </a:p>
@@ -440,7 +440,7 @@
           <a:p>
             <a:fld id="{C7AC68C2-BA71-0143-8B78-FE74981DC06A}" type="datetimeFigureOut">
               <a:rPr lang="fr-FR" smtClean="0"/>
-              <a:t>30/06/2014</a:t>
+              <a:t>03/07/2014</a:t>
             </a:fld>
             <a:endParaRPr lang="fr-FR"/>
           </a:p>
@@ -482,7 +482,7 @@
           <a:p>
             <a:fld id="{AE73DD88-C704-8E4D-ACBF-616915A20F97}" type="slidenum">
               <a:rPr lang="fr-FR" smtClean="0"/>
-              <a:t>‹N°›</a:t>
+              <a:t>‹#›</a:t>
             </a:fld>
             <a:endParaRPr lang="fr-FR"/>
           </a:p>
@@ -745,7 +745,7 @@
           <a:p>
             <a:fld id="{C7AC68C2-BA71-0143-8B78-FE74981DC06A}" type="datetimeFigureOut">
               <a:rPr lang="fr-FR" smtClean="0"/>
-              <a:t>30/06/2014</a:t>
+              <a:t>03/07/2014</a:t>
             </a:fld>
             <a:endParaRPr lang="fr-FR"/>
           </a:p>
@@ -787,7 +787,7 @@
           <a:p>
             <a:fld id="{AE73DD88-C704-8E4D-ACBF-616915A20F97}" type="slidenum">
               <a:rPr lang="fr-FR" smtClean="0"/>
-              <a:t>‹N°›</a:t>
+              <a:t>‹#›</a:t>
             </a:fld>
             <a:endParaRPr lang="fr-FR"/>
           </a:p>
@@ -970,7 +970,7 @@
           <a:p>
             <a:fld id="{C7AC68C2-BA71-0143-8B78-FE74981DC06A}" type="datetimeFigureOut">
               <a:rPr lang="fr-FR" smtClean="0"/>
-              <a:t>30/06/2014</a:t>
+              <a:t>03/07/2014</a:t>
             </a:fld>
             <a:endParaRPr lang="fr-FR"/>
           </a:p>
@@ -1012,7 +1012,7 @@
           <a:p>
             <a:fld id="{AE73DD88-C704-8E4D-ACBF-616915A20F97}" type="slidenum">
               <a:rPr lang="fr-FR" smtClean="0"/>
-              <a:t>‹N°›</a:t>
+              <a:t>‹#›</a:t>
             </a:fld>
             <a:endParaRPr lang="fr-FR"/>
           </a:p>
@@ -1240,7 +1240,7 @@
           <a:p>
             <a:fld id="{C7AC68C2-BA71-0143-8B78-FE74981DC06A}" type="datetimeFigureOut">
               <a:rPr lang="fr-FR" smtClean="0"/>
-              <a:t>30/06/2014</a:t>
+              <a:t>03/07/2014</a:t>
             </a:fld>
             <a:endParaRPr lang="fr-FR"/>
           </a:p>
@@ -1282,7 +1282,7 @@
           <a:p>
             <a:fld id="{AE73DD88-C704-8E4D-ACBF-616915A20F97}" type="slidenum">
               <a:rPr lang="fr-FR" smtClean="0"/>
-              <a:t>‹N°›</a:t>
+              <a:t>‹#›</a:t>
             </a:fld>
             <a:endParaRPr lang="fr-FR"/>
           </a:p>
@@ -1565,7 +1565,7 @@
           <a:p>
             <a:fld id="{C7AC68C2-BA71-0143-8B78-FE74981DC06A}" type="datetimeFigureOut">
               <a:rPr lang="fr-FR" smtClean="0"/>
-              <a:t>30/06/2014</a:t>
+              <a:t>03/07/2014</a:t>
             </a:fld>
             <a:endParaRPr lang="fr-FR"/>
           </a:p>
@@ -1607,7 +1607,7 @@
           <a:p>
             <a:fld id="{AE73DD88-C704-8E4D-ACBF-616915A20F97}" type="slidenum">
               <a:rPr lang="fr-FR" smtClean="0"/>
-              <a:t>‹N°›</a:t>
+              <a:t>‹#›</a:t>
             </a:fld>
             <a:endParaRPr lang="fr-FR"/>
           </a:p>
@@ -1758,7 +1758,7 @@
           <a:p>
             <a:fld id="{C7AC68C2-BA71-0143-8B78-FE74981DC06A}" type="datetimeFigureOut">
               <a:rPr lang="fr-FR" smtClean="0"/>
-              <a:t>30/06/2014</a:t>
+              <a:t>03/07/2014</a:t>
             </a:fld>
             <a:endParaRPr lang="fr-FR"/>
           </a:p>
@@ -1800,7 +1800,7 @@
           <a:p>
             <a:fld id="{AE73DD88-C704-8E4D-ACBF-616915A20F97}" type="slidenum">
               <a:rPr lang="fr-FR" smtClean="0"/>
-              <a:t>‹N°›</a:t>
+              <a:t>‹#›</a:t>
             </a:fld>
             <a:endParaRPr lang="fr-FR"/>
           </a:p>
@@ -1862,7 +1862,7 @@
           <a:p>
             <a:fld id="{C7AC68C2-BA71-0143-8B78-FE74981DC06A}" type="datetimeFigureOut">
               <a:rPr lang="fr-FR" smtClean="0"/>
-              <a:t>30/06/2014</a:t>
+              <a:t>03/07/2014</a:t>
             </a:fld>
             <a:endParaRPr lang="fr-FR"/>
           </a:p>
@@ -1904,7 +1904,7 @@
           <a:p>
             <a:fld id="{AE73DD88-C704-8E4D-ACBF-616915A20F97}" type="slidenum">
               <a:rPr lang="fr-FR" smtClean="0"/>
-              <a:t>‹N°›</a:t>
+              <a:t>‹#›</a:t>
             </a:fld>
             <a:endParaRPr lang="fr-FR"/>
           </a:p>
@@ -2031,7 +2031,7 @@
           <a:p>
             <a:fld id="{C7AC68C2-BA71-0143-8B78-FE74981DC06A}" type="datetimeFigureOut">
               <a:rPr lang="fr-FR" smtClean="0"/>
-              <a:t>30/06/2014</a:t>
+              <a:t>03/07/2014</a:t>
             </a:fld>
             <a:endParaRPr lang="fr-FR"/>
           </a:p>
@@ -2073,7 +2073,7 @@
           <a:p>
             <a:fld id="{AE73DD88-C704-8E4D-ACBF-616915A20F97}" type="slidenum">
               <a:rPr lang="fr-FR" smtClean="0"/>
-              <a:t>‹N°›</a:t>
+              <a:t>‹#›</a:t>
             </a:fld>
             <a:endParaRPr lang="fr-FR"/>
           </a:p>
@@ -2295,7 +2295,7 @@
           <a:p>
             <a:fld id="{C7AC68C2-BA71-0143-8B78-FE74981DC06A}" type="datetimeFigureOut">
               <a:rPr lang="fr-FR" smtClean="0"/>
-              <a:t>30/06/2014</a:t>
+              <a:t>03/07/2014</a:t>
             </a:fld>
             <a:endParaRPr lang="fr-FR"/>
           </a:p>
@@ -2350,7 +2350,7 @@
           <a:p>
             <a:fld id="{AE73DD88-C704-8E4D-ACBF-616915A20F97}" type="slidenum">
               <a:rPr lang="fr-FR" smtClean="0"/>
-              <a:t>‹N°›</a:t>
+              <a:t>‹#›</a:t>
             </a:fld>
             <a:endParaRPr lang="fr-FR"/>
           </a:p>
@@ -2629,7 +2629,7 @@
           <a:p>
             <a:fld id="{C7AC68C2-BA71-0143-8B78-FE74981DC06A}" type="datetimeFigureOut">
               <a:rPr lang="fr-FR" smtClean="0"/>
-              <a:t>30/06/2014</a:t>
+              <a:t>03/07/2014</a:t>
             </a:fld>
             <a:endParaRPr lang="fr-FR"/>
           </a:p>
@@ -2671,7 +2671,7 @@
           <a:p>
             <a:fld id="{AE73DD88-C704-8E4D-ACBF-616915A20F97}" type="slidenum">
               <a:rPr lang="fr-FR" smtClean="0"/>
-              <a:t>‹N°›</a:t>
+              <a:t>‹#›</a:t>
             </a:fld>
             <a:endParaRPr lang="fr-FR"/>
           </a:p>
@@ -3070,7 +3070,7 @@
           <a:p>
             <a:fld id="{C7AC68C2-BA71-0143-8B78-FE74981DC06A}" type="datetimeFigureOut">
               <a:rPr lang="fr-FR" smtClean="0"/>
-              <a:t>30/06/2014</a:t>
+              <a:t>03/07/2014</a:t>
             </a:fld>
             <a:endParaRPr lang="fr-FR"/>
           </a:p>
@@ -3112,7 +3112,7 @@
           <a:p>
             <a:fld id="{AE73DD88-C704-8E4D-ACBF-616915A20F97}" type="slidenum">
               <a:rPr lang="fr-FR" smtClean="0"/>
-              <a:t>‹N°›</a:t>
+              <a:t>‹#›</a:t>
             </a:fld>
             <a:endParaRPr lang="fr-FR"/>
           </a:p>
@@ -3268,7 +3268,7 @@
           <a:p>
             <a:fld id="{C7AC68C2-BA71-0143-8B78-FE74981DC06A}" type="datetimeFigureOut">
               <a:rPr lang="fr-FR" smtClean="0"/>
-              <a:t>30/06/2014</a:t>
+              <a:t>03/07/2014</a:t>
             </a:fld>
             <a:endParaRPr lang="fr-FR"/>
           </a:p>
@@ -3310,7 +3310,7 @@
           <a:p>
             <a:fld id="{AE73DD88-C704-8E4D-ACBF-616915A20F97}" type="slidenum">
               <a:rPr lang="fr-FR" smtClean="0"/>
-              <a:t>‹N°›</a:t>
+              <a:t>‹#›</a:t>
             </a:fld>
             <a:endParaRPr lang="fr-FR"/>
           </a:p>
@@ -3551,7 +3551,7 @@
           <a:p>
             <a:fld id="{C7AC68C2-BA71-0143-8B78-FE74981DC06A}" type="datetimeFigureOut">
               <a:rPr lang="fr-FR" smtClean="0"/>
-              <a:t>30/06/2014</a:t>
+              <a:t>03/07/2014</a:t>
             </a:fld>
             <a:endParaRPr lang="fr-FR"/>
           </a:p>
@@ -3593,7 +3593,7 @@
           <a:p>
             <a:fld id="{AE73DD88-C704-8E4D-ACBF-616915A20F97}" type="slidenum">
               <a:rPr lang="fr-FR" smtClean="0"/>
-              <a:t>‹N°›</a:t>
+              <a:t>‹#›</a:t>
             </a:fld>
             <a:endParaRPr lang="fr-FR"/>
           </a:p>
@@ -3919,7 +3919,7 @@
           <a:p>
             <a:fld id="{C7AC68C2-BA71-0143-8B78-FE74981DC06A}" type="datetimeFigureOut">
               <a:rPr lang="fr-FR" smtClean="0"/>
-              <a:t>30/06/2014</a:t>
+              <a:t>03/07/2014</a:t>
             </a:fld>
             <a:endParaRPr lang="fr-FR"/>
           </a:p>
@@ -3961,7 +3961,7 @@
           <a:p>
             <a:fld id="{AE73DD88-C704-8E4D-ACBF-616915A20F97}" type="slidenum">
               <a:rPr lang="fr-FR" smtClean="0"/>
-              <a:t>‹N°›</a:t>
+              <a:t>‹#›</a:t>
             </a:fld>
             <a:endParaRPr lang="fr-FR"/>
           </a:p>
@@ -4415,7 +4415,7 @@
           <a:p>
             <a:fld id="{C7AC68C2-BA71-0143-8B78-FE74981DC06A}" type="datetimeFigureOut">
               <a:rPr lang="fr-FR" smtClean="0"/>
-              <a:t>30/06/2014</a:t>
+              <a:t>03/07/2014</a:t>
             </a:fld>
             <a:endParaRPr lang="fr-FR"/>
           </a:p>
@@ -4457,7 +4457,7 @@
           <a:p>
             <a:fld id="{AE73DD88-C704-8E4D-ACBF-616915A20F97}" type="slidenum">
               <a:rPr lang="fr-FR" smtClean="0"/>
-              <a:t>‹N°›</a:t>
+              <a:t>‹#›</a:t>
             </a:fld>
             <a:endParaRPr lang="fr-FR"/>
           </a:p>
@@ -4624,7 +4624,7 @@
           <a:p>
             <a:fld id="{C7AC68C2-BA71-0143-8B78-FE74981DC06A}" type="datetimeFigureOut">
               <a:rPr lang="fr-FR" smtClean="0"/>
-              <a:t>30/06/2014</a:t>
+              <a:t>03/07/2014</a:t>
             </a:fld>
             <a:endParaRPr lang="fr-FR"/>
           </a:p>
@@ -4704,7 +4704,7 @@
           <a:p>
             <a:fld id="{AE73DD88-C704-8E4D-ACBF-616915A20F97}" type="slidenum">
               <a:rPr lang="fr-FR" smtClean="0"/>
-              <a:t>‹N°›</a:t>
+              <a:t>‹#›</a:t>
             </a:fld>
             <a:endParaRPr lang="fr-FR"/>
           </a:p>
@@ -5098,8 +5098,8 @@
         </p:blipFill>
         <p:spPr>
           <a:xfrm>
-            <a:off x="-1005411" y="0"/>
-            <a:ext cx="11159448" cy="6974655"/>
+            <a:off x="-859381" y="0"/>
+            <a:ext cx="10988114" cy="6867571"/>
           </a:xfrm>
           <a:prstGeom prst="rect">
             <a:avLst/>
@@ -5244,7 +5244,7 @@
         </p:nvSpPr>
         <p:spPr>
           <a:xfrm>
-            <a:off x="-859382" y="5588987"/>
+            <a:off x="112445" y="5500640"/>
             <a:ext cx="4574312" cy="1200329"/>
           </a:xfrm>
           <a:prstGeom prst="rect">
@@ -5401,7 +5401,7 @@
         </p:nvSpPr>
         <p:spPr>
           <a:xfrm>
-            <a:off x="-363865" y="288131"/>
+            <a:off x="495516" y="288131"/>
             <a:ext cx="1316581" cy="369332"/>
           </a:xfrm>
           <a:prstGeom prst="rect">
@@ -5478,7 +5478,7 @@
         </p:blipFill>
         <p:spPr bwMode="auto">
           <a:xfrm>
-            <a:off x="-859381" y="184666"/>
+            <a:off x="0" y="184666"/>
             <a:ext cx="495516" cy="576262"/>
           </a:xfrm>
           <a:prstGeom prst="rect">
@@ -5486,7 +5486,7 @@
           </a:prstGeom>
           <a:noFill/>
           <a:extLst>
-            <a:ext uri="{909E8E84-426E-40DD-AFC4-6F175D3DCCD1}">
+            <a:ext uri="{909E8E84-426E-40dd-AFC4-6F175D3DCCD1}">
               <a14:hiddenFill xmlns:a14="http://schemas.microsoft.com/office/drawing/2010/main">
                 <a:solidFill>
                   <a:srgbClr val="FFFFFF"/>
@@ -5504,7 +5504,7 @@
         </p:nvSpPr>
         <p:spPr>
           <a:xfrm>
-            <a:off x="8263099" y="111041"/>
+            <a:off x="7258142" y="184666"/>
             <a:ext cx="1761802" cy="923330"/>
           </a:xfrm>
           <a:prstGeom prst="rect">
@@ -5574,7 +5574,7 @@
   <p:timing>
     <p:tnLst>
       <p:par>
-        <p:cTn id="1" dur="indefinite" restart="never" nodeType="tmRoot"/>
+        <p:cTn xmlns:p14="http://schemas.microsoft.com/office/powerpoint/2010/main" id="1" dur="indefinite" restart="never" nodeType="tmRoot"/>
       </p:par>
     </p:tnLst>
   </p:timing>
@@ -5663,7 +5663,7 @@
             </a:pPr>
             <a:r>
               <a:rPr lang="fr-FR" dirty="0" smtClean="0"/>
-              <a:t>Ce réseau doit reconnaître des chiffres (matrices normalisées)</a:t>
+              <a:t>Ce réseau doit reconnaître des chiffres </a:t>
             </a:r>
           </a:p>
           <a:p>
@@ -5675,23 +5675,22 @@
               </a:buClr>
             </a:pPr>
             <a:r>
+              <a:rPr lang="fr-FR" smtClean="0"/>
+              <a:t>Contraintes </a:t>
+            </a:r>
+            <a:r>
               <a:rPr lang="fr-FR" dirty="0" smtClean="0"/>
-              <a:t>Contraintes faibles : apprentissage &amp; reconnaissance  efficace en quelques secondes</a:t>
+              <a:t>: rapidité d’apprentissage et fiabilité de </a:t>
+            </a:r>
+            <a:r>
+              <a:rPr lang="fr-FR" smtClean="0"/>
+              <a:t>la reconnaissance </a:t>
+            </a:r>
+            <a:r>
+              <a:rPr lang="fr-FR" dirty="0" smtClean="0"/>
+              <a:t>en quelques secondes</a:t>
             </a:r>
             <a:endParaRPr lang="fr-FR" dirty="0"/>
-          </a:p>
-          <a:p>
-            <a:pPr>
-              <a:buClr>
-                <a:schemeClr val="bg2">
-                  <a:lumMod val="90000"/>
-                </a:schemeClr>
-              </a:buClr>
-            </a:pPr>
-            <a:r>
-              <a:rPr lang="fr-FR" dirty="0" smtClean="0"/>
-              <a:t>Organiser le travail en équipe</a:t>
-            </a:r>
           </a:p>
         </p:txBody>
       </p:sp>
@@ -5842,7 +5841,7 @@
   <p:timing>
     <p:tnLst>
       <p:par>
-        <p:cTn id="1" dur="indefinite" restart="never" nodeType="tmRoot"/>
+        <p:cTn xmlns:p14="http://schemas.microsoft.com/office/powerpoint/2010/main" id="1" dur="indefinite" restart="never" nodeType="tmRoot"/>
       </p:par>
     </p:tnLst>
   </p:timing>
@@ -6356,7 +6355,7 @@
   <p:timing>
     <p:tnLst>
       <p:par>
-        <p:cTn id="1" dur="indefinite" restart="never" nodeType="tmRoot"/>
+        <p:cTn xmlns:p14="http://schemas.microsoft.com/office/powerpoint/2010/main" id="1" dur="indefinite" restart="never" nodeType="tmRoot"/>
       </p:par>
     </p:tnLst>
   </p:timing>
@@ -6780,7 +6779,7 @@
           </a:prstGeom>
           <a:noFill/>
           <a:extLst>
-            <a:ext uri="{909E8E84-426E-40DD-AFC4-6F175D3DCCD1}">
+            <a:ext uri="{909E8E84-426E-40dd-AFC4-6F175D3DCCD1}">
               <a14:hiddenFill xmlns:a14="http://schemas.microsoft.com/office/drawing/2010/main">
                 <a:solidFill>
                   <a:srgbClr val="FFFFFF"/>
@@ -6916,11 +6915,7 @@
             </a:r>
             <a:r>
               <a:rPr lang="fr-FR" sz="1400" dirty="0" smtClean="0"/>
-              <a:t>Pourcentage de certitude sur le caractère </a:t>
-            </a:r>
-            <a:r>
-              <a:rPr lang="fr-FR" sz="1400" dirty="0" smtClean="0"/>
-              <a:t>reconnu </a:t>
+              <a:t>Pourcentage de certitude sur le caractère reconnu </a:t>
             </a:r>
             <a:r>
               <a:rPr lang="fr-FR" sz="1400" dirty="0"/>
@@ -6930,7 +6925,6 @@
               <a:rPr lang="fr-FR" sz="1400" dirty="0" smtClean="0"/>
               <a:t>0-1]</a:t>
             </a:r>
-            <a:endParaRPr lang="fr-FR" sz="1400" dirty="0" smtClean="0"/>
           </a:p>
         </p:txBody>
       </p:sp>
@@ -7285,7 +7279,7 @@
   <p:timing>
     <p:tnLst>
       <p:par>
-        <p:cTn id="1" dur="indefinite" restart="never" nodeType="tmRoot"/>
+        <p:cTn xmlns:p14="http://schemas.microsoft.com/office/powerpoint/2010/main" id="1" dur="indefinite" restart="never" nodeType="tmRoot"/>
       </p:par>
     </p:tnLst>
   </p:timing>
@@ -7745,11 +7739,7 @@
             </a:pPr>
             <a:r>
               <a:rPr lang="fr-FR" dirty="0" smtClean="0"/>
-              <a:t>Le pas n’a pas non plus eu d’influence majeure (écart type de moins d’1 </a:t>
-            </a:r>
-            <a:r>
-              <a:rPr lang="fr-FR" dirty="0" smtClean="0"/>
-              <a:t>%.</a:t>
+              <a:t>Le pas n’a pas non plus eu d’influence majeure (écart type de moins d’1 %.</a:t>
             </a:r>
           </a:p>
           <a:p>
@@ -7772,7 +7762,6 @@
               <a:rPr lang="fr-FR" dirty="0" smtClean="0"/>
               <a:t> » les caractères plusieurs fois (oubli de ce qui est juste)</a:t>
             </a:r>
-            <a:endParaRPr lang="fr-FR" dirty="0" smtClean="0"/>
           </a:p>
         </p:txBody>
       </p:sp>
@@ -7810,14 +7799,14 @@
             <a:noFill/>
           </a:ln>
           <a:extLst>
-            <a:ext uri="{909E8E84-426E-40DD-AFC4-6F175D3DCCD1}">
+            <a:ext uri="{909E8E84-426E-40dd-AFC4-6F175D3DCCD1}">
               <a14:hiddenFill xmlns:a14="http://schemas.microsoft.com/office/drawing/2010/main">
                 <a:solidFill>
                   <a:schemeClr val="accent1"/>
                 </a:solidFill>
               </a14:hiddenFill>
             </a:ext>
-            <a:ext uri="{91240B29-F687-4F45-9708-019B960494DF}">
+            <a:ext uri="{91240B29-F687-4f45-9708-019B960494DF}">
               <a14:hiddenLine xmlns:a14="http://schemas.microsoft.com/office/drawing/2010/main" w="9525">
                 <a:solidFill>
                   <a:schemeClr val="tx1"/>
@@ -7843,7 +7832,7 @@
   <p:timing>
     <p:tnLst>
       <p:par>
-        <p:cTn id="1" dur="indefinite" restart="never" nodeType="tmRoot"/>
+        <p:cTn xmlns:p14="http://schemas.microsoft.com/office/powerpoint/2010/main" id="1" dur="indefinite" restart="never" nodeType="tmRoot"/>
       </p:par>
     </p:tnLst>
   </p:timing>
@@ -8099,7 +8088,7 @@
           </a:prstGeom>
           <a:noFill/>
           <a:extLst>
-            <a:ext uri="{909E8E84-426E-40DD-AFC4-6F175D3DCCD1}">
+            <a:ext uri="{909E8E84-426E-40dd-AFC4-6F175D3DCCD1}">
               <a14:hiddenFill xmlns:a14="http://schemas.microsoft.com/office/drawing/2010/main">
                 <a:solidFill>
                   <a:srgbClr val="FFFFFF"/>
@@ -8223,7 +8212,7 @@
   <p:timing>
     <p:tnLst>
       <p:par>
-        <p:cTn id="1" dur="indefinite" restart="never" nodeType="tmRoot"/>
+        <p:cTn xmlns:p14="http://schemas.microsoft.com/office/powerpoint/2010/main" id="1" dur="indefinite" restart="never" nodeType="tmRoot"/>
       </p:par>
     </p:tnLst>
   </p:timing>
@@ -8472,7 +8461,7 @@
           </a:prstGeom>
           <a:noFill/>
           <a:extLst>
-            <a:ext uri="{909E8E84-426E-40DD-AFC4-6F175D3DCCD1}">
+            <a:ext uri="{909E8E84-426E-40dd-AFC4-6F175D3DCCD1}">
               <a14:hiddenFill xmlns:a14="http://schemas.microsoft.com/office/drawing/2010/main">
                 <a:solidFill>
                   <a:srgbClr val="FFFFFF"/>
@@ -8495,7 +8484,7 @@
   <p:timing>
     <p:tnLst>
       <p:par>
-        <p:cTn id="1" dur="indefinite" restart="never" nodeType="tmRoot"/>
+        <p:cTn xmlns:p14="http://schemas.microsoft.com/office/powerpoint/2010/main" id="1" dur="indefinite" restart="never" nodeType="tmRoot"/>
       </p:par>
     </p:tnLst>
   </p:timing>
@@ -8555,7 +8544,7 @@
         <p:spPr/>
         <p:txBody>
           <a:bodyPr>
-            <a:normAutofit fontScale="92500"/>
+            <a:normAutofit/>
           </a:bodyPr>
           <a:lstStyle/>
           <a:p>
@@ -8574,10 +8563,7 @@
               <a:rPr lang="fr-FR" dirty="0" err="1" smtClean="0"/>
               <a:t>Hopfield</a:t>
             </a:r>
-            <a:r>
-              <a:rPr lang="fr-FR" dirty="0" smtClean="0"/>
-              <a:t> mais efficacité identique</a:t>
-            </a:r>
+            <a:endParaRPr lang="fr-FR" dirty="0" smtClean="0"/>
           </a:p>
           <a:p>
             <a:pPr>
@@ -8589,11 +8575,7 @@
             </a:pPr>
             <a:r>
               <a:rPr lang="fr-FR" dirty="0" smtClean="0"/>
-              <a:t>Taux </a:t>
-            </a:r>
-            <a:r>
-              <a:rPr lang="fr-FR" dirty="0" smtClean="0"/>
-              <a:t>d’efficacité satisfaisant sur les chiffres même très bruités (env. 40%)</a:t>
+              <a:t>Taux d’efficacité satisfaisant sur les chiffres même très bruités (env. 40%)</a:t>
             </a:r>
           </a:p>
           <a:p>
@@ -8616,8 +8598,8 @@
               </a:buClr>
             </a:pPr>
             <a:r>
-              <a:rPr lang="fr-FR" dirty="0" smtClean="0"/>
-              <a:t>Traitement d’une image en entrée (cadrage, normalisation)</a:t>
+              <a:rPr lang="fr-FR" dirty="0"/>
+              <a:t>Plus de caractères reconnues, alphanumériques par exemple</a:t>
             </a:r>
           </a:p>
           <a:p>
@@ -8628,7 +8610,11 @@
             </a:pPr>
             <a:r>
               <a:rPr lang="fr-FR" dirty="0" smtClean="0"/>
-              <a:t>Plus de caractères reconnues, alphanumériques par exemple</a:t>
+              <a:t>Traitement </a:t>
+            </a:r>
+            <a:r>
+              <a:rPr lang="fr-FR" dirty="0" smtClean="0"/>
+              <a:t>d’une image en entrée (cadrage, normalisation)</a:t>
             </a:r>
           </a:p>
           <a:p>
@@ -8638,8 +8624,12 @@
               </a:buClr>
             </a:pPr>
             <a:r>
+              <a:rPr lang="fr-FR" dirty="0" smtClean="0"/>
+              <a:t>Écriture </a:t>
+            </a:r>
+            <a:r>
               <a:rPr lang="fr-FR" dirty="0"/>
-              <a:t>Écriture manuscrite prise en compte (beaucoup plus retord</a:t>
+              <a:t>manuscrite prise en compte (beaucoup plus retord</a:t>
             </a:r>
             <a:r>
               <a:rPr lang="fr-FR" dirty="0" smtClean="0"/>
@@ -8799,7 +8789,7 @@
   <p:timing>
     <p:tnLst>
       <p:par>
-        <p:cTn id="1" dur="indefinite" restart="never" nodeType="tmRoot"/>
+        <p:cTn xmlns:p14="http://schemas.microsoft.com/office/powerpoint/2010/main" id="1" dur="indefinite" restart="never" nodeType="tmRoot"/>
       </p:par>
     </p:tnLst>
   </p:timing>
@@ -8902,6 +8892,13 @@
   <p:clrMapOvr>
     <a:masterClrMapping/>
   </p:clrMapOvr>
+  <p:timing>
+    <p:tnLst>
+      <p:par>
+        <p:cTn xmlns:p14="http://schemas.microsoft.com/office/powerpoint/2010/main" id="1" dur="indefinite" restart="never" nodeType="tmRoot"/>
+      </p:par>
+    </p:tnLst>
+  </p:timing>
 </p:sld>
 </file>
 
